--- a/LoFi/LoFi.pptx
+++ b/LoFi/LoFi.pptx
@@ -276,7 +276,7 @@
           <a:p>
             <a:fld id="{90BA0F64-CCA5-4670-B995-2C9FB854C1E0}" type="datetimeFigureOut">
               <a:rPr lang="de-DE" smtClean="0"/>
-              <a:t>10.11.2023</a:t>
+              <a:t>24.11.2023</a:t>
             </a:fld>
             <a:endParaRPr lang="de-DE"/>
           </a:p>
@@ -476,7 +476,7 @@
           <a:p>
             <a:fld id="{90BA0F64-CCA5-4670-B995-2C9FB854C1E0}" type="datetimeFigureOut">
               <a:rPr lang="de-DE" smtClean="0"/>
-              <a:t>10.11.2023</a:t>
+              <a:t>24.11.2023</a:t>
             </a:fld>
             <a:endParaRPr lang="de-DE"/>
           </a:p>
@@ -686,7 +686,7 @@
           <a:p>
             <a:fld id="{90BA0F64-CCA5-4670-B995-2C9FB854C1E0}" type="datetimeFigureOut">
               <a:rPr lang="de-DE" smtClean="0"/>
-              <a:t>10.11.2023</a:t>
+              <a:t>24.11.2023</a:t>
             </a:fld>
             <a:endParaRPr lang="de-DE"/>
           </a:p>
@@ -886,7 +886,7 @@
           <a:p>
             <a:fld id="{90BA0F64-CCA5-4670-B995-2C9FB854C1E0}" type="datetimeFigureOut">
               <a:rPr lang="de-DE" smtClean="0"/>
-              <a:t>10.11.2023</a:t>
+              <a:t>24.11.2023</a:t>
             </a:fld>
             <a:endParaRPr lang="de-DE"/>
           </a:p>
@@ -1162,7 +1162,7 @@
           <a:p>
             <a:fld id="{90BA0F64-CCA5-4670-B995-2C9FB854C1E0}" type="datetimeFigureOut">
               <a:rPr lang="de-DE" smtClean="0"/>
-              <a:t>10.11.2023</a:t>
+              <a:t>24.11.2023</a:t>
             </a:fld>
             <a:endParaRPr lang="de-DE"/>
           </a:p>
@@ -1430,7 +1430,7 @@
           <a:p>
             <a:fld id="{90BA0F64-CCA5-4670-B995-2C9FB854C1E0}" type="datetimeFigureOut">
               <a:rPr lang="de-DE" smtClean="0"/>
-              <a:t>10.11.2023</a:t>
+              <a:t>24.11.2023</a:t>
             </a:fld>
             <a:endParaRPr lang="de-DE"/>
           </a:p>
@@ -1845,7 +1845,7 @@
           <a:p>
             <a:fld id="{90BA0F64-CCA5-4670-B995-2C9FB854C1E0}" type="datetimeFigureOut">
               <a:rPr lang="de-DE" smtClean="0"/>
-              <a:t>10.11.2023</a:t>
+              <a:t>24.11.2023</a:t>
             </a:fld>
             <a:endParaRPr lang="de-DE"/>
           </a:p>
@@ -1987,7 +1987,7 @@
           <a:p>
             <a:fld id="{90BA0F64-CCA5-4670-B995-2C9FB854C1E0}" type="datetimeFigureOut">
               <a:rPr lang="de-DE" smtClean="0"/>
-              <a:t>10.11.2023</a:t>
+              <a:t>24.11.2023</a:t>
             </a:fld>
             <a:endParaRPr lang="de-DE"/>
           </a:p>
@@ -2100,7 +2100,7 @@
           <a:p>
             <a:fld id="{90BA0F64-CCA5-4670-B995-2C9FB854C1E0}" type="datetimeFigureOut">
               <a:rPr lang="de-DE" smtClean="0"/>
-              <a:t>10.11.2023</a:t>
+              <a:t>24.11.2023</a:t>
             </a:fld>
             <a:endParaRPr lang="de-DE"/>
           </a:p>
@@ -2413,7 +2413,7 @@
           <a:p>
             <a:fld id="{90BA0F64-CCA5-4670-B995-2C9FB854C1E0}" type="datetimeFigureOut">
               <a:rPr lang="de-DE" smtClean="0"/>
-              <a:t>10.11.2023</a:t>
+              <a:t>24.11.2023</a:t>
             </a:fld>
             <a:endParaRPr lang="de-DE"/>
           </a:p>
@@ -2702,7 +2702,7 @@
           <a:p>
             <a:fld id="{90BA0F64-CCA5-4670-B995-2C9FB854C1E0}" type="datetimeFigureOut">
               <a:rPr lang="de-DE" smtClean="0"/>
-              <a:t>10.11.2023</a:t>
+              <a:t>24.11.2023</a:t>
             </a:fld>
             <a:endParaRPr lang="de-DE"/>
           </a:p>
@@ -2945,7 +2945,7 @@
           <a:p>
             <a:fld id="{90BA0F64-CCA5-4670-B995-2C9FB854C1E0}" type="datetimeFigureOut">
               <a:rPr lang="de-DE" smtClean="0"/>
-              <a:t>10.11.2023</a:t>
+              <a:t>24.11.2023</a:t>
             </a:fld>
             <a:endParaRPr lang="de-DE"/>
           </a:p>
@@ -3362,6 +3362,587 @@
           <a:chExt cx="0" cy="0"/>
         </a:xfrm>
       </p:grpSpPr>
+      <p:grpSp>
+        <p:nvGrpSpPr>
+          <p:cNvPr id="19" name="Gruppieren 18">
+            <a:extLst>
+              <a:ext uri="{FF2B5EF4-FFF2-40B4-BE49-F238E27FC236}">
+                <a16:creationId xmlns:a16="http://schemas.microsoft.com/office/drawing/2014/main" id="{1898C905-90FF-D3A6-18DF-C9FB7F8BCD52}"/>
+              </a:ext>
+            </a:extLst>
+          </p:cNvPr>
+          <p:cNvGrpSpPr/>
+          <p:nvPr/>
+        </p:nvGrpSpPr>
+        <p:grpSpPr>
+          <a:xfrm>
+            <a:off x="3761353" y="3515365"/>
+            <a:ext cx="5857467" cy="3241353"/>
+            <a:chOff x="2208122" y="2777274"/>
+            <a:chExt cx="5857467" cy="3241353"/>
+          </a:xfrm>
+        </p:grpSpPr>
+        <p:sp>
+          <p:nvSpPr>
+            <p:cNvPr id="106" name="Rectangle 11">
+              <a:extLst>
+                <a:ext uri="{FF2B5EF4-FFF2-40B4-BE49-F238E27FC236}">
+                  <a16:creationId xmlns:a16="http://schemas.microsoft.com/office/drawing/2014/main" id="{86AA6930-C51B-418F-921B-A2F5578A0F16}"/>
+                </a:ext>
+              </a:extLst>
+            </p:cNvPr>
+            <p:cNvSpPr/>
+            <p:nvPr/>
+          </p:nvSpPr>
+          <p:spPr>
+            <a:xfrm>
+              <a:off x="4948314" y="3834717"/>
+              <a:ext cx="1585168" cy="2056778"/>
+            </a:xfrm>
+            <a:prstGeom prst="rect">
+              <a:avLst/>
+            </a:prstGeom>
+          </p:spPr>
+          <p:style>
+            <a:lnRef idx="2">
+              <a:schemeClr val="accent1">
+                <a:shade val="50000"/>
+              </a:schemeClr>
+            </a:lnRef>
+            <a:fillRef idx="1">
+              <a:schemeClr val="accent1"/>
+            </a:fillRef>
+            <a:effectRef idx="0">
+              <a:schemeClr val="accent1"/>
+            </a:effectRef>
+            <a:fontRef idx="minor">
+              <a:schemeClr val="lt1"/>
+            </a:fontRef>
+          </p:style>
+          <p:txBody>
+            <a:bodyPr rtlCol="0" anchor="t"/>
+            <a:lstStyle/>
+            <a:p>
+              <a:pPr algn="ctr"/>
+              <a:r>
+                <a:rPr lang="de-DE" dirty="0"/>
+                <a:t>Bestellungen</a:t>
+              </a:r>
+              <a:endParaRPr lang="de-DE" sz="1600" dirty="0"/>
+            </a:p>
+          </p:txBody>
+        </p:sp>
+        <p:sp>
+          <p:nvSpPr>
+            <p:cNvPr id="107" name="Rectangle 12">
+              <a:extLst>
+                <a:ext uri="{FF2B5EF4-FFF2-40B4-BE49-F238E27FC236}">
+                  <a16:creationId xmlns:a16="http://schemas.microsoft.com/office/drawing/2014/main" id="{514486DD-DF0E-45C0-A046-CA0163FA6745}"/>
+                </a:ext>
+              </a:extLst>
+            </p:cNvPr>
+            <p:cNvSpPr/>
+            <p:nvPr/>
+          </p:nvSpPr>
+          <p:spPr>
+            <a:xfrm>
+              <a:off x="4948314" y="4257794"/>
+              <a:ext cx="1585169" cy="1760833"/>
+            </a:xfrm>
+            <a:prstGeom prst="rect">
+              <a:avLst/>
+            </a:prstGeom>
+          </p:spPr>
+          <p:style>
+            <a:lnRef idx="2">
+              <a:schemeClr val="accent3">
+                <a:shade val="50000"/>
+              </a:schemeClr>
+            </a:lnRef>
+            <a:fillRef idx="1">
+              <a:schemeClr val="accent3"/>
+            </a:fillRef>
+            <a:effectRef idx="0">
+              <a:schemeClr val="accent3"/>
+            </a:effectRef>
+            <a:fontRef idx="minor">
+              <a:schemeClr val="lt1"/>
+            </a:fontRef>
+          </p:style>
+          <p:txBody>
+            <a:bodyPr rtlCol="0" anchor="t"/>
+            <a:lstStyle/>
+            <a:p>
+              <a:r>
+                <a:rPr lang="de-DE" sz="1400" dirty="0"/>
+                <a:t>Tisch 1 - Timer</a:t>
+              </a:r>
+            </a:p>
+            <a:p>
+              <a:r>
+                <a:rPr lang="de-DE" sz="1400" dirty="0"/>
+                <a:t>Tisch 2 - Timer</a:t>
+              </a:r>
+            </a:p>
+            <a:p>
+              <a:r>
+                <a:rPr lang="de-DE" sz="1400" dirty="0">
+                  <a:highlight>
+                    <a:srgbClr val="FF0000"/>
+                  </a:highlight>
+                </a:rPr>
+                <a:t>Tisch 3 - Timer</a:t>
+              </a:r>
+            </a:p>
+            <a:p>
+              <a:r>
+                <a:rPr lang="de-DE" sz="1400" dirty="0">
+                  <a:highlight>
+                    <a:srgbClr val="00FF00"/>
+                  </a:highlight>
+                </a:rPr>
+                <a:t>Tisch 4 - Timer</a:t>
+              </a:r>
+            </a:p>
+            <a:p>
+              <a:endParaRPr lang="de-DE" sz="1400" dirty="0"/>
+            </a:p>
+          </p:txBody>
+        </p:sp>
+        <p:sp>
+          <p:nvSpPr>
+            <p:cNvPr id="109" name="Rectangle 36">
+              <a:extLst>
+                <a:ext uri="{FF2B5EF4-FFF2-40B4-BE49-F238E27FC236}">
+                  <a16:creationId xmlns:a16="http://schemas.microsoft.com/office/drawing/2014/main" id="{788D2520-3319-4642-BCB0-4AA6E46D4F82}"/>
+                </a:ext>
+              </a:extLst>
+            </p:cNvPr>
+            <p:cNvSpPr/>
+            <p:nvPr/>
+          </p:nvSpPr>
+          <p:spPr>
+            <a:xfrm>
+              <a:off x="6375368" y="4341435"/>
+              <a:ext cx="101967" cy="83430"/>
+            </a:xfrm>
+            <a:prstGeom prst="rect">
+              <a:avLst/>
+            </a:prstGeom>
+          </p:spPr>
+          <p:style>
+            <a:lnRef idx="2">
+              <a:schemeClr val="accent6">
+                <a:shade val="50000"/>
+              </a:schemeClr>
+            </a:lnRef>
+            <a:fillRef idx="1">
+              <a:schemeClr val="accent6"/>
+            </a:fillRef>
+            <a:effectRef idx="0">
+              <a:schemeClr val="accent6"/>
+            </a:effectRef>
+            <a:fontRef idx="minor">
+              <a:schemeClr val="lt1"/>
+            </a:fontRef>
+          </p:style>
+          <p:txBody>
+            <a:bodyPr rtlCol="0" anchor="ctr"/>
+            <a:lstStyle/>
+            <a:p>
+              <a:pPr algn="ctr"/>
+              <a:endParaRPr lang="de-DE"/>
+            </a:p>
+          </p:txBody>
+        </p:sp>
+        <p:sp>
+          <p:nvSpPr>
+            <p:cNvPr id="110" name="Rectangle 37">
+              <a:extLst>
+                <a:ext uri="{FF2B5EF4-FFF2-40B4-BE49-F238E27FC236}">
+                  <a16:creationId xmlns:a16="http://schemas.microsoft.com/office/drawing/2014/main" id="{9A5DFBBD-9A7C-49CD-965A-BCEF9D5D9341}"/>
+                </a:ext>
+              </a:extLst>
+            </p:cNvPr>
+            <p:cNvSpPr/>
+            <p:nvPr/>
+          </p:nvSpPr>
+          <p:spPr>
+            <a:xfrm>
+              <a:off x="6375368" y="4555043"/>
+              <a:ext cx="101967" cy="83430"/>
+            </a:xfrm>
+            <a:prstGeom prst="rect">
+              <a:avLst/>
+            </a:prstGeom>
+          </p:spPr>
+          <p:style>
+            <a:lnRef idx="2">
+              <a:schemeClr val="accent6">
+                <a:shade val="50000"/>
+              </a:schemeClr>
+            </a:lnRef>
+            <a:fillRef idx="1">
+              <a:schemeClr val="accent6"/>
+            </a:fillRef>
+            <a:effectRef idx="0">
+              <a:schemeClr val="accent6"/>
+            </a:effectRef>
+            <a:fontRef idx="minor">
+              <a:schemeClr val="lt1"/>
+            </a:fontRef>
+          </p:style>
+          <p:txBody>
+            <a:bodyPr rtlCol="0" anchor="ctr"/>
+            <a:lstStyle/>
+            <a:p>
+              <a:pPr algn="ctr"/>
+              <a:endParaRPr lang="de-DE"/>
+            </a:p>
+          </p:txBody>
+        </p:sp>
+        <p:sp>
+          <p:nvSpPr>
+            <p:cNvPr id="111" name="Rectangle 38">
+              <a:extLst>
+                <a:ext uri="{FF2B5EF4-FFF2-40B4-BE49-F238E27FC236}">
+                  <a16:creationId xmlns:a16="http://schemas.microsoft.com/office/drawing/2014/main" id="{0171B4AB-1E45-4303-852E-D6E8E8AFA776}"/>
+                </a:ext>
+              </a:extLst>
+            </p:cNvPr>
+            <p:cNvSpPr/>
+            <p:nvPr/>
+          </p:nvSpPr>
+          <p:spPr>
+            <a:xfrm>
+              <a:off x="6375367" y="4768651"/>
+              <a:ext cx="101967" cy="83430"/>
+            </a:xfrm>
+            <a:prstGeom prst="rect">
+              <a:avLst/>
+            </a:prstGeom>
+          </p:spPr>
+          <p:style>
+            <a:lnRef idx="2">
+              <a:schemeClr val="accent6">
+                <a:shade val="50000"/>
+              </a:schemeClr>
+            </a:lnRef>
+            <a:fillRef idx="1">
+              <a:schemeClr val="accent6"/>
+            </a:fillRef>
+            <a:effectRef idx="0">
+              <a:schemeClr val="accent6"/>
+            </a:effectRef>
+            <a:fontRef idx="minor">
+              <a:schemeClr val="lt1"/>
+            </a:fontRef>
+          </p:style>
+          <p:txBody>
+            <a:bodyPr rtlCol="0" anchor="ctr"/>
+            <a:lstStyle/>
+            <a:p>
+              <a:pPr algn="ctr"/>
+              <a:endParaRPr lang="de-DE"/>
+            </a:p>
+          </p:txBody>
+        </p:sp>
+        <p:sp>
+          <p:nvSpPr>
+            <p:cNvPr id="112" name="Rectangle 39">
+              <a:extLst>
+                <a:ext uri="{FF2B5EF4-FFF2-40B4-BE49-F238E27FC236}">
+                  <a16:creationId xmlns:a16="http://schemas.microsoft.com/office/drawing/2014/main" id="{08D59CFB-0E75-4442-BA4E-F255C81929C9}"/>
+                </a:ext>
+              </a:extLst>
+            </p:cNvPr>
+            <p:cNvSpPr/>
+            <p:nvPr/>
+          </p:nvSpPr>
+          <p:spPr>
+            <a:xfrm>
+              <a:off x="6375366" y="4991331"/>
+              <a:ext cx="101967" cy="83430"/>
+            </a:xfrm>
+            <a:prstGeom prst="rect">
+              <a:avLst/>
+            </a:prstGeom>
+          </p:spPr>
+          <p:style>
+            <a:lnRef idx="2">
+              <a:schemeClr val="accent6">
+                <a:shade val="50000"/>
+              </a:schemeClr>
+            </a:lnRef>
+            <a:fillRef idx="1">
+              <a:schemeClr val="accent6"/>
+            </a:fillRef>
+            <a:effectRef idx="0">
+              <a:schemeClr val="accent6"/>
+            </a:effectRef>
+            <a:fontRef idx="minor">
+              <a:schemeClr val="lt1"/>
+            </a:fontRef>
+          </p:style>
+          <p:txBody>
+            <a:bodyPr rtlCol="0" anchor="ctr"/>
+            <a:lstStyle/>
+            <a:p>
+              <a:pPr algn="ctr"/>
+              <a:endParaRPr lang="de-DE"/>
+            </a:p>
+          </p:txBody>
+        </p:sp>
+        <p:sp>
+          <p:nvSpPr>
+            <p:cNvPr id="113" name="Rectangle 60">
+              <a:extLst>
+                <a:ext uri="{FF2B5EF4-FFF2-40B4-BE49-F238E27FC236}">
+                  <a16:creationId xmlns:a16="http://schemas.microsoft.com/office/drawing/2014/main" id="{66A8EDDB-67F2-4B34-BF39-CA129A78C9EC}"/>
+                </a:ext>
+              </a:extLst>
+            </p:cNvPr>
+            <p:cNvSpPr/>
+            <p:nvPr/>
+          </p:nvSpPr>
+          <p:spPr>
+            <a:xfrm>
+              <a:off x="4944342" y="4318410"/>
+              <a:ext cx="1587951" cy="133090"/>
+            </a:xfrm>
+            <a:prstGeom prst="rect">
+              <a:avLst/>
+            </a:prstGeom>
+            <a:noFill/>
+            <a:ln>
+              <a:noFill/>
+            </a:ln>
+          </p:spPr>
+          <p:style>
+            <a:lnRef idx="2">
+              <a:schemeClr val="accent1">
+                <a:shade val="50000"/>
+              </a:schemeClr>
+            </a:lnRef>
+            <a:fillRef idx="1">
+              <a:schemeClr val="accent1"/>
+            </a:fillRef>
+            <a:effectRef idx="0">
+              <a:schemeClr val="accent1"/>
+            </a:effectRef>
+            <a:fontRef idx="minor">
+              <a:schemeClr val="lt1"/>
+            </a:fontRef>
+          </p:style>
+          <p:txBody>
+            <a:bodyPr rtlCol="0" anchor="ctr"/>
+            <a:lstStyle/>
+            <a:p>
+              <a:pPr algn="ctr"/>
+              <a:endParaRPr lang="de-DE"/>
+            </a:p>
+          </p:txBody>
+        </p:sp>
+        <p:sp>
+          <p:nvSpPr>
+            <p:cNvPr id="114" name="Rectangle 62">
+              <a:extLst>
+                <a:ext uri="{FF2B5EF4-FFF2-40B4-BE49-F238E27FC236}">
+                  <a16:creationId xmlns:a16="http://schemas.microsoft.com/office/drawing/2014/main" id="{691B6D25-5C9B-4B80-9776-056AF659FF4A}"/>
+                </a:ext>
+              </a:extLst>
+            </p:cNvPr>
+            <p:cNvSpPr/>
+            <p:nvPr/>
+          </p:nvSpPr>
+          <p:spPr>
+            <a:xfrm>
+              <a:off x="4940368" y="4954655"/>
+              <a:ext cx="1587951" cy="133090"/>
+            </a:xfrm>
+            <a:prstGeom prst="rect">
+              <a:avLst/>
+            </a:prstGeom>
+            <a:noFill/>
+            <a:ln>
+              <a:noFill/>
+            </a:ln>
+          </p:spPr>
+          <p:style>
+            <a:lnRef idx="2">
+              <a:schemeClr val="accent1">
+                <a:shade val="50000"/>
+              </a:schemeClr>
+            </a:lnRef>
+            <a:fillRef idx="1">
+              <a:schemeClr val="accent1"/>
+            </a:fillRef>
+            <a:effectRef idx="0">
+              <a:schemeClr val="accent1"/>
+            </a:effectRef>
+            <a:fontRef idx="minor">
+              <a:schemeClr val="lt1"/>
+            </a:fontRef>
+          </p:style>
+          <p:txBody>
+            <a:bodyPr rtlCol="0" anchor="ctr"/>
+            <a:lstStyle/>
+            <a:p>
+              <a:pPr algn="ctr"/>
+              <a:endParaRPr lang="de-DE"/>
+            </a:p>
+          </p:txBody>
+        </p:sp>
+        <p:sp>
+          <p:nvSpPr>
+            <p:cNvPr id="28" name="Speech Bubble: Rectangle 77">
+              <a:extLst>
+                <a:ext uri="{FF2B5EF4-FFF2-40B4-BE49-F238E27FC236}">
+                  <a16:creationId xmlns:a16="http://schemas.microsoft.com/office/drawing/2014/main" id="{00F0420D-CCF4-8E0E-0DB9-4E1D74C1A88F}"/>
+                </a:ext>
+              </a:extLst>
+            </p:cNvPr>
+            <p:cNvSpPr/>
+            <p:nvPr/>
+          </p:nvSpPr>
+          <p:spPr>
+            <a:xfrm>
+              <a:off x="5420603" y="2777274"/>
+              <a:ext cx="2644986" cy="624835"/>
+            </a:xfrm>
+            <a:prstGeom prst="wedgeRectCallout">
+              <a:avLst>
+                <a:gd name="adj1" fmla="val -34560"/>
+                <a:gd name="adj2" fmla="val 131645"/>
+              </a:avLst>
+            </a:prstGeom>
+          </p:spPr>
+          <p:style>
+            <a:lnRef idx="2">
+              <a:schemeClr val="dk1"/>
+            </a:lnRef>
+            <a:fillRef idx="1">
+              <a:schemeClr val="lt1"/>
+            </a:fillRef>
+            <a:effectRef idx="0">
+              <a:schemeClr val="dk1"/>
+            </a:effectRef>
+            <a:fontRef idx="minor">
+              <a:schemeClr val="dk1"/>
+            </a:fontRef>
+          </p:style>
+          <p:txBody>
+            <a:bodyPr rtlCol="0" anchor="ctr"/>
+            <a:lstStyle/>
+            <a:p>
+              <a:pPr algn="ctr"/>
+              <a:r>
+                <a:rPr lang="de-DE" dirty="0"/>
+                <a:t>Nur offene Bestellungen werden angezeigt </a:t>
+              </a:r>
+            </a:p>
+          </p:txBody>
+        </p:sp>
+        <p:sp>
+          <p:nvSpPr>
+            <p:cNvPr id="42" name="Rectangle: Rounded Corners 4">
+              <a:extLst>
+                <a:ext uri="{FF2B5EF4-FFF2-40B4-BE49-F238E27FC236}">
+                  <a16:creationId xmlns:a16="http://schemas.microsoft.com/office/drawing/2014/main" id="{EF955A99-8AD1-E31E-5347-7461EDF9DA76}"/>
+                </a:ext>
+              </a:extLst>
+            </p:cNvPr>
+            <p:cNvSpPr/>
+            <p:nvPr/>
+          </p:nvSpPr>
+          <p:spPr>
+            <a:xfrm>
+              <a:off x="5004071" y="5655305"/>
+              <a:ext cx="833064" cy="272574"/>
+            </a:xfrm>
+            <a:prstGeom prst="roundRect">
+              <a:avLst/>
+            </a:prstGeom>
+          </p:spPr>
+          <p:style>
+            <a:lnRef idx="2">
+              <a:schemeClr val="accent2">
+                <a:shade val="50000"/>
+              </a:schemeClr>
+            </a:lnRef>
+            <a:fillRef idx="1">
+              <a:schemeClr val="accent2"/>
+            </a:fillRef>
+            <a:effectRef idx="0">
+              <a:schemeClr val="accent2"/>
+            </a:effectRef>
+            <a:fontRef idx="minor">
+              <a:schemeClr val="lt1"/>
+            </a:fontRef>
+          </p:style>
+          <p:txBody>
+            <a:bodyPr rtlCol="0" anchor="ctr"/>
+            <a:lstStyle/>
+            <a:p>
+              <a:pPr algn="ctr"/>
+              <a:r>
+                <a:rPr lang="de-DE" sz="1600" dirty="0"/>
+                <a:t>Zurück</a:t>
+              </a:r>
+            </a:p>
+          </p:txBody>
+        </p:sp>
+        <p:sp>
+          <p:nvSpPr>
+            <p:cNvPr id="33" name="Speech Bubble: Rectangle 77">
+              <a:extLst>
+                <a:ext uri="{FF2B5EF4-FFF2-40B4-BE49-F238E27FC236}">
+                  <a16:creationId xmlns:a16="http://schemas.microsoft.com/office/drawing/2014/main" id="{CBA21EB5-D138-2D11-27F5-072AD0F5FC08}"/>
+                </a:ext>
+              </a:extLst>
+            </p:cNvPr>
+            <p:cNvSpPr/>
+            <p:nvPr/>
+          </p:nvSpPr>
+          <p:spPr>
+            <a:xfrm>
+              <a:off x="2208122" y="5068901"/>
+              <a:ext cx="2644986" cy="822594"/>
+            </a:xfrm>
+            <a:prstGeom prst="wedgeRectCallout">
+              <a:avLst>
+                <a:gd name="adj1" fmla="val 57412"/>
+                <a:gd name="adj2" fmla="val -66390"/>
+              </a:avLst>
+            </a:prstGeom>
+          </p:spPr>
+          <p:style>
+            <a:lnRef idx="2">
+              <a:schemeClr val="dk1"/>
+            </a:lnRef>
+            <a:fillRef idx="1">
+              <a:schemeClr val="lt1"/>
+            </a:fillRef>
+            <a:effectRef idx="0">
+              <a:schemeClr val="dk1"/>
+            </a:effectRef>
+            <a:fontRef idx="minor">
+              <a:schemeClr val="dk1"/>
+            </a:fontRef>
+          </p:style>
+          <p:txBody>
+            <a:bodyPr rtlCol="0" anchor="ctr"/>
+            <a:lstStyle/>
+            <a:p>
+              <a:pPr algn="ctr"/>
+              <a:r>
+                <a:rPr lang="de-DE" dirty="0"/>
+                <a:t>Bezahlte Tische werden grün angezeigt, nicht Bezahlte rot</a:t>
+              </a:r>
+            </a:p>
+          </p:txBody>
+        </p:sp>
+      </p:grpSp>
       <p:grpSp>
         <p:nvGrpSpPr>
           <p:cNvPr id="14" name="Gruppieren 13">
@@ -4114,10 +4695,10 @@
       </p:grpSp>
       <p:grpSp>
         <p:nvGrpSpPr>
-          <p:cNvPr id="15" name="Gruppieren 14">
-            <a:extLst>
-              <a:ext uri="{FF2B5EF4-FFF2-40B4-BE49-F238E27FC236}">
-                <a16:creationId xmlns:a16="http://schemas.microsoft.com/office/drawing/2014/main" id="{2C7B194A-02A2-A7AD-0533-D87270C8E745}"/>
+          <p:cNvPr id="18" name="Gruppieren 17">
+            <a:extLst>
+              <a:ext uri="{FF2B5EF4-FFF2-40B4-BE49-F238E27FC236}">
+                <a16:creationId xmlns:a16="http://schemas.microsoft.com/office/drawing/2014/main" id="{34CE6D42-3209-D426-EB8B-646808ABB61E}"/>
               </a:ext>
             </a:extLst>
           </p:cNvPr>
@@ -4126,327 +4707,10 @@
         </p:nvGrpSpPr>
         <p:grpSpPr>
           <a:xfrm>
-            <a:off x="4456309" y="772314"/>
-            <a:ext cx="1639691" cy="2181363"/>
-            <a:chOff x="4456309" y="772314"/>
-            <a:chExt cx="1639691" cy="2181363"/>
-          </a:xfrm>
-        </p:grpSpPr>
-        <p:sp>
-          <p:nvSpPr>
-            <p:cNvPr id="88" name="Rectangle 1">
-              <a:extLst>
-                <a:ext uri="{FF2B5EF4-FFF2-40B4-BE49-F238E27FC236}">
-                  <a16:creationId xmlns:a16="http://schemas.microsoft.com/office/drawing/2014/main" id="{6E4C3386-DC23-5238-9634-0507A2DB0106}"/>
-                </a:ext>
-              </a:extLst>
-            </p:cNvPr>
-            <p:cNvSpPr/>
-            <p:nvPr/>
-          </p:nvSpPr>
-          <p:spPr>
-            <a:xfrm>
-              <a:off x="4456309" y="772314"/>
-              <a:ext cx="1639691" cy="2181363"/>
-            </a:xfrm>
-            <a:prstGeom prst="rect">
-              <a:avLst/>
-            </a:prstGeom>
-          </p:spPr>
-          <p:style>
-            <a:lnRef idx="2">
-              <a:schemeClr val="accent1">
-                <a:shade val="50000"/>
-              </a:schemeClr>
-            </a:lnRef>
-            <a:fillRef idx="1">
-              <a:schemeClr val="accent1"/>
-            </a:fillRef>
-            <a:effectRef idx="0">
-              <a:schemeClr val="accent1"/>
-            </a:effectRef>
-            <a:fontRef idx="minor">
-              <a:schemeClr val="lt1"/>
-            </a:fontRef>
-          </p:style>
-          <p:txBody>
-            <a:bodyPr rtlCol="0" anchor="t"/>
-            <a:lstStyle/>
-            <a:p>
-              <a:pPr algn="ctr"/>
-              <a:r>
-                <a:rPr lang="de-DE" dirty="0"/>
-                <a:t>Speisekarte</a:t>
-              </a:r>
-            </a:p>
-          </p:txBody>
-        </p:sp>
-        <p:sp>
-          <p:nvSpPr>
-            <p:cNvPr id="34" name="Rectangle 1">
-              <a:extLst>
-                <a:ext uri="{FF2B5EF4-FFF2-40B4-BE49-F238E27FC236}">
-                  <a16:creationId xmlns:a16="http://schemas.microsoft.com/office/drawing/2014/main" id="{692E9183-E735-49F0-8E7B-83D614826231}"/>
-                </a:ext>
-              </a:extLst>
-            </p:cNvPr>
-            <p:cNvSpPr/>
-            <p:nvPr/>
-          </p:nvSpPr>
-          <p:spPr>
-            <a:xfrm>
-              <a:off x="4456309" y="1129960"/>
-              <a:ext cx="1639691" cy="1823717"/>
-            </a:xfrm>
-            <a:prstGeom prst="rect">
-              <a:avLst/>
-            </a:prstGeom>
-            <a:solidFill>
-              <a:schemeClr val="bg1">
-                <a:lumMod val="65000"/>
-              </a:schemeClr>
-            </a:solidFill>
-          </p:spPr>
-          <p:style>
-            <a:lnRef idx="2">
-              <a:schemeClr val="accent1">
-                <a:shade val="50000"/>
-              </a:schemeClr>
-            </a:lnRef>
-            <a:fillRef idx="1">
-              <a:schemeClr val="accent1"/>
-            </a:fillRef>
-            <a:effectRef idx="0">
-              <a:schemeClr val="accent1"/>
-            </a:effectRef>
-            <a:fontRef idx="minor">
-              <a:schemeClr val="lt1"/>
-            </a:fontRef>
-          </p:style>
-          <p:txBody>
-            <a:bodyPr rtlCol="0" anchor="t"/>
-            <a:lstStyle/>
-            <a:p>
-              <a:pPr algn="ctr"/>
-              <a:endParaRPr lang="de-DE" sz="1400" dirty="0"/>
-            </a:p>
-          </p:txBody>
-        </p:sp>
-        <p:sp>
-          <p:nvSpPr>
-            <p:cNvPr id="35" name="Rectangle: Rounded Corners 4">
-              <a:extLst>
-                <a:ext uri="{FF2B5EF4-FFF2-40B4-BE49-F238E27FC236}">
-                  <a16:creationId xmlns:a16="http://schemas.microsoft.com/office/drawing/2014/main" id="{00FC4E7F-6F71-4D2E-A938-01D9FC0DE4F6}"/>
-                </a:ext>
-              </a:extLst>
-            </p:cNvPr>
-            <p:cNvSpPr/>
-            <p:nvPr/>
-          </p:nvSpPr>
-          <p:spPr>
-            <a:xfrm>
-              <a:off x="4527745" y="1659269"/>
-              <a:ext cx="1496817" cy="245786"/>
-            </a:xfrm>
-            <a:prstGeom prst="roundRect">
-              <a:avLst/>
-            </a:prstGeom>
-          </p:spPr>
-          <p:style>
-            <a:lnRef idx="2">
-              <a:schemeClr val="accent2">
-                <a:shade val="50000"/>
-              </a:schemeClr>
-            </a:lnRef>
-            <a:fillRef idx="1">
-              <a:schemeClr val="accent2"/>
-            </a:fillRef>
-            <a:effectRef idx="0">
-              <a:schemeClr val="accent2"/>
-            </a:effectRef>
-            <a:fontRef idx="minor">
-              <a:schemeClr val="lt1"/>
-            </a:fontRef>
-          </p:style>
-          <p:txBody>
-            <a:bodyPr rtlCol="0" anchor="ctr"/>
-            <a:lstStyle/>
-            <a:p>
-              <a:pPr algn="ctr"/>
-              <a:r>
-                <a:rPr lang="de-DE" sz="1600" dirty="0"/>
-                <a:t>Neues Gericht</a:t>
-              </a:r>
-            </a:p>
-          </p:txBody>
-        </p:sp>
-        <p:sp>
-          <p:nvSpPr>
-            <p:cNvPr id="96" name="Rectangle: Rounded Corners 4">
-              <a:extLst>
-                <a:ext uri="{FF2B5EF4-FFF2-40B4-BE49-F238E27FC236}">
-                  <a16:creationId xmlns:a16="http://schemas.microsoft.com/office/drawing/2014/main" id="{CF44C038-F38F-4BF6-944C-E5419C2B10E1}"/>
-                </a:ext>
-              </a:extLst>
-            </p:cNvPr>
-            <p:cNvSpPr/>
-            <p:nvPr/>
-          </p:nvSpPr>
-          <p:spPr>
-            <a:xfrm>
-              <a:off x="4527745" y="1959108"/>
-              <a:ext cx="1496817" cy="245786"/>
-            </a:xfrm>
-            <a:prstGeom prst="roundRect">
-              <a:avLst/>
-            </a:prstGeom>
-          </p:spPr>
-          <p:style>
-            <a:lnRef idx="2">
-              <a:schemeClr val="accent2">
-                <a:shade val="50000"/>
-              </a:schemeClr>
-            </a:lnRef>
-            <a:fillRef idx="1">
-              <a:schemeClr val="accent2"/>
-            </a:fillRef>
-            <a:effectRef idx="0">
-              <a:schemeClr val="accent2"/>
-            </a:effectRef>
-            <a:fontRef idx="minor">
-              <a:schemeClr val="lt1"/>
-            </a:fontRef>
-          </p:style>
-          <p:txBody>
-            <a:bodyPr rtlCol="0" anchor="ctr"/>
-            <a:lstStyle/>
-            <a:p>
-              <a:pPr algn="ctr"/>
-              <a:r>
-                <a:rPr lang="de-DE" sz="1400" dirty="0"/>
-                <a:t>Seite einscannen</a:t>
-              </a:r>
-            </a:p>
-          </p:txBody>
-        </p:sp>
-        <p:sp>
-          <p:nvSpPr>
-            <p:cNvPr id="97" name="Rectangle 2">
-              <a:extLst>
-                <a:ext uri="{FF2B5EF4-FFF2-40B4-BE49-F238E27FC236}">
-                  <a16:creationId xmlns:a16="http://schemas.microsoft.com/office/drawing/2014/main" id="{76710B5B-0150-447A-BF84-93FA9A6CEC3E}"/>
-                </a:ext>
-              </a:extLst>
-            </p:cNvPr>
-            <p:cNvSpPr/>
-            <p:nvPr/>
-          </p:nvSpPr>
-          <p:spPr>
-            <a:xfrm>
-              <a:off x="4527744" y="1187582"/>
-              <a:ext cx="1496818" cy="245786"/>
-            </a:xfrm>
-            <a:prstGeom prst="rect">
-              <a:avLst/>
-            </a:prstGeom>
-          </p:spPr>
-          <p:style>
-            <a:lnRef idx="2">
-              <a:schemeClr val="accent6">
-                <a:shade val="50000"/>
-              </a:schemeClr>
-            </a:lnRef>
-            <a:fillRef idx="1">
-              <a:schemeClr val="accent6"/>
-            </a:fillRef>
-            <a:effectRef idx="0">
-              <a:schemeClr val="accent6"/>
-            </a:effectRef>
-            <a:fontRef idx="minor">
-              <a:schemeClr val="lt1"/>
-            </a:fontRef>
-          </p:style>
-          <p:txBody>
-            <a:bodyPr rtlCol="0" anchor="ctr"/>
-            <a:lstStyle/>
-            <a:p>
-              <a:pPr algn="ctr"/>
-              <a:r>
-                <a:rPr lang="de-DE" dirty="0"/>
-                <a:t>Gericht 1</a:t>
-              </a:r>
-            </a:p>
-          </p:txBody>
-        </p:sp>
-        <p:sp>
-          <p:nvSpPr>
-            <p:cNvPr id="40" name="Rectangle: Rounded Corners 4">
-              <a:extLst>
-                <a:ext uri="{FF2B5EF4-FFF2-40B4-BE49-F238E27FC236}">
-                  <a16:creationId xmlns:a16="http://schemas.microsoft.com/office/drawing/2014/main" id="{32000A6C-F13D-88FB-5B03-0CFA436DEE04}"/>
-                </a:ext>
-              </a:extLst>
-            </p:cNvPr>
-            <p:cNvSpPr/>
-            <p:nvPr/>
-          </p:nvSpPr>
-          <p:spPr>
-            <a:xfrm>
-              <a:off x="4531782" y="2589053"/>
-              <a:ext cx="833064" cy="272574"/>
-            </a:xfrm>
-            <a:prstGeom prst="roundRect">
-              <a:avLst/>
-            </a:prstGeom>
-          </p:spPr>
-          <p:style>
-            <a:lnRef idx="2">
-              <a:schemeClr val="accent2">
-                <a:shade val="50000"/>
-              </a:schemeClr>
-            </a:lnRef>
-            <a:fillRef idx="1">
-              <a:schemeClr val="accent2"/>
-            </a:fillRef>
-            <a:effectRef idx="0">
-              <a:schemeClr val="accent2"/>
-            </a:effectRef>
-            <a:fontRef idx="minor">
-              <a:schemeClr val="lt1"/>
-            </a:fontRef>
-          </p:style>
-          <p:txBody>
-            <a:bodyPr rtlCol="0" anchor="ctr"/>
-            <a:lstStyle/>
-            <a:p>
-              <a:pPr algn="ctr"/>
-              <a:r>
-                <a:rPr lang="de-DE" sz="1600" dirty="0"/>
-                <a:t>Zurück</a:t>
-              </a:r>
-            </a:p>
-          </p:txBody>
-        </p:sp>
-      </p:grpSp>
-      <p:grpSp>
-        <p:nvGrpSpPr>
-          <p:cNvPr id="18" name="Gruppieren 17">
-            <a:extLst>
-              <a:ext uri="{FF2B5EF4-FFF2-40B4-BE49-F238E27FC236}">
-                <a16:creationId xmlns:a16="http://schemas.microsoft.com/office/drawing/2014/main" id="{34CE6D42-3209-D426-EB8B-646808ABB61E}"/>
-              </a:ext>
-            </a:extLst>
-          </p:cNvPr>
-          <p:cNvGrpSpPr/>
-          <p:nvPr/>
-        </p:nvGrpSpPr>
-        <p:grpSpPr>
-          <a:xfrm>
-            <a:off x="8756880" y="4310312"/>
-            <a:ext cx="1593115" cy="2183910"/>
-            <a:chOff x="7835968" y="3846207"/>
-            <a:chExt cx="1593115" cy="2183910"/>
+            <a:off x="7928596" y="4310312"/>
+            <a:ext cx="2421399" cy="2183910"/>
+            <a:chOff x="7007684" y="3846207"/>
+            <a:chExt cx="2421399" cy="2183910"/>
           </a:xfrm>
         </p:grpSpPr>
         <p:sp>
@@ -4990,529 +5254,96 @@
             </a:p>
           </p:txBody>
         </p:sp>
-      </p:grpSp>
-      <p:grpSp>
-        <p:nvGrpSpPr>
-          <p:cNvPr id="19" name="Gruppieren 18">
-            <a:extLst>
-              <a:ext uri="{FF2B5EF4-FFF2-40B4-BE49-F238E27FC236}">
-                <a16:creationId xmlns:a16="http://schemas.microsoft.com/office/drawing/2014/main" id="{1898C905-90FF-D3A6-18DF-C9FB7F8BCD52}"/>
-              </a:ext>
-            </a:extLst>
-          </p:cNvPr>
-          <p:cNvGrpSpPr/>
-          <p:nvPr/>
-        </p:nvGrpSpPr>
-        <p:grpSpPr>
-          <a:xfrm>
-            <a:off x="6493599" y="3515365"/>
-            <a:ext cx="3125221" cy="3241353"/>
-            <a:chOff x="4940368" y="2777274"/>
-            <a:chExt cx="3125221" cy="3241353"/>
-          </a:xfrm>
-        </p:grpSpPr>
-        <p:sp>
-          <p:nvSpPr>
-            <p:cNvPr id="106" name="Rectangle 11">
+        <p:cxnSp>
+          <p:nvCxnSpPr>
+            <p:cNvPr id="27" name="Gerader Verbinder 26">
               <a:extLst>
                 <a:ext uri="{FF2B5EF4-FFF2-40B4-BE49-F238E27FC236}">
-                  <a16:creationId xmlns:a16="http://schemas.microsoft.com/office/drawing/2014/main" id="{86AA6930-C51B-418F-921B-A2F5578A0F16}"/>
+                  <a16:creationId xmlns:a16="http://schemas.microsoft.com/office/drawing/2014/main" id="{05310F05-16B0-1564-48AE-0E04AB0CEAD2}"/>
                 </a:ext>
               </a:extLst>
             </p:cNvPr>
-            <p:cNvSpPr/>
+            <p:cNvCxnSpPr>
+              <a:cxnSpLocks/>
+            </p:cNvCxnSpPr>
             <p:nvPr/>
-          </p:nvSpPr>
+          </p:nvCxnSpPr>
           <p:spPr>
             <a:xfrm>
-              <a:off x="4948314" y="3834717"/>
-              <a:ext cx="1585168" cy="2056778"/>
+              <a:off x="7007684" y="5270159"/>
+              <a:ext cx="92869" cy="71438"/>
             </a:xfrm>
-            <a:prstGeom prst="rect">
+            <a:prstGeom prst="line">
               <a:avLst/>
             </a:prstGeom>
+            <a:ln w="12700">
+              <a:solidFill>
+                <a:schemeClr val="accent6">
+                  <a:lumMod val="50000"/>
+                </a:schemeClr>
+              </a:solidFill>
+            </a:ln>
           </p:spPr>
           <p:style>
-            <a:lnRef idx="2">
-              <a:schemeClr val="accent1">
-                <a:shade val="50000"/>
-              </a:schemeClr>
+            <a:lnRef idx="1">
+              <a:schemeClr val="accent1"/>
             </a:lnRef>
-            <a:fillRef idx="1">
+            <a:fillRef idx="0">
               <a:schemeClr val="accent1"/>
             </a:fillRef>
             <a:effectRef idx="0">
               <a:schemeClr val="accent1"/>
             </a:effectRef>
             <a:fontRef idx="minor">
-              <a:schemeClr val="lt1"/>
+              <a:schemeClr val="tx1"/>
             </a:fontRef>
           </p:style>
-          <p:txBody>
-            <a:bodyPr rtlCol="0" anchor="t"/>
-            <a:lstStyle/>
-            <a:p>
-              <a:pPr algn="ctr"/>
-              <a:r>
-                <a:rPr lang="de-DE" dirty="0"/>
-                <a:t>Bestellungen</a:t>
-              </a:r>
-              <a:endParaRPr lang="de-DE" sz="1600" dirty="0"/>
-            </a:p>
-          </p:txBody>
-        </p:sp>
-        <p:sp>
-          <p:nvSpPr>
-            <p:cNvPr id="107" name="Rectangle 12">
+        </p:cxnSp>
+        <p:cxnSp>
+          <p:nvCxnSpPr>
+            <p:cNvPr id="32" name="Gerader Verbinder 31">
               <a:extLst>
                 <a:ext uri="{FF2B5EF4-FFF2-40B4-BE49-F238E27FC236}">
-                  <a16:creationId xmlns:a16="http://schemas.microsoft.com/office/drawing/2014/main" id="{514486DD-DF0E-45C0-A046-CA0163FA6745}"/>
+                  <a16:creationId xmlns:a16="http://schemas.microsoft.com/office/drawing/2014/main" id="{3C9DA963-9F86-AF6A-0A92-5C690184C3D8}"/>
                 </a:ext>
               </a:extLst>
             </p:cNvPr>
-            <p:cNvSpPr/>
+            <p:cNvCxnSpPr>
+              <a:cxnSpLocks/>
+            </p:cNvCxnSpPr>
             <p:nvPr/>
-          </p:nvSpPr>
+          </p:nvCxnSpPr>
           <p:spPr>
-            <a:xfrm>
-              <a:off x="4948314" y="4257794"/>
-              <a:ext cx="1585169" cy="1760833"/>
+            <a:xfrm flipH="1">
+              <a:off x="7007684" y="5270159"/>
+              <a:ext cx="90487" cy="76200"/>
             </a:xfrm>
-            <a:prstGeom prst="rect">
+            <a:prstGeom prst="line">
               <a:avLst/>
             </a:prstGeom>
-          </p:spPr>
-          <p:style>
-            <a:lnRef idx="2">
-              <a:schemeClr val="accent3">
-                <a:shade val="50000"/>
-              </a:schemeClr>
-            </a:lnRef>
-            <a:fillRef idx="1">
-              <a:schemeClr val="accent3"/>
-            </a:fillRef>
-            <a:effectRef idx="0">
-              <a:schemeClr val="accent3"/>
-            </a:effectRef>
-            <a:fontRef idx="minor">
-              <a:schemeClr val="lt1"/>
-            </a:fontRef>
-          </p:style>
-          <p:txBody>
-            <a:bodyPr rtlCol="0" anchor="t"/>
-            <a:lstStyle/>
-            <a:p>
-              <a:r>
-                <a:rPr lang="de-DE" sz="1400" dirty="0"/>
-                <a:t>Tisch 1 - Timer</a:t>
-              </a:r>
-            </a:p>
-            <a:p>
-              <a:r>
-                <a:rPr lang="de-DE" sz="1400" dirty="0"/>
-                <a:t>Tisch 2 - Timer</a:t>
-              </a:r>
-            </a:p>
-            <a:p>
-              <a:r>
-                <a:rPr lang="de-DE" sz="1400" dirty="0"/>
-                <a:t>Tisch 3 - Timer</a:t>
-              </a:r>
-            </a:p>
-            <a:p>
-              <a:r>
-                <a:rPr lang="de-DE" sz="1400" dirty="0"/>
-                <a:t>Tisch 4 - Timer</a:t>
-              </a:r>
-            </a:p>
-            <a:p>
-              <a:endParaRPr lang="de-DE" sz="1400" dirty="0"/>
-            </a:p>
-          </p:txBody>
-        </p:sp>
-        <p:sp>
-          <p:nvSpPr>
-            <p:cNvPr id="109" name="Rectangle 36">
-              <a:extLst>
-                <a:ext uri="{FF2B5EF4-FFF2-40B4-BE49-F238E27FC236}">
-                  <a16:creationId xmlns:a16="http://schemas.microsoft.com/office/drawing/2014/main" id="{788D2520-3319-4642-BCB0-4AA6E46D4F82}"/>
-                </a:ext>
-              </a:extLst>
-            </p:cNvPr>
-            <p:cNvSpPr/>
-            <p:nvPr/>
-          </p:nvSpPr>
-          <p:spPr>
-            <a:xfrm>
-              <a:off x="6375368" y="4341435"/>
-              <a:ext cx="101967" cy="83430"/>
-            </a:xfrm>
-            <a:prstGeom prst="rect">
-              <a:avLst/>
-            </a:prstGeom>
-          </p:spPr>
-          <p:style>
-            <a:lnRef idx="2">
-              <a:schemeClr val="accent6">
-                <a:shade val="50000"/>
-              </a:schemeClr>
-            </a:lnRef>
-            <a:fillRef idx="1">
-              <a:schemeClr val="accent6"/>
-            </a:fillRef>
-            <a:effectRef idx="0">
-              <a:schemeClr val="accent6"/>
-            </a:effectRef>
-            <a:fontRef idx="minor">
-              <a:schemeClr val="lt1"/>
-            </a:fontRef>
-          </p:style>
-          <p:txBody>
-            <a:bodyPr rtlCol="0" anchor="ctr"/>
-            <a:lstStyle/>
-            <a:p>
-              <a:pPr algn="ctr"/>
-              <a:endParaRPr lang="de-DE"/>
-            </a:p>
-          </p:txBody>
-        </p:sp>
-        <p:sp>
-          <p:nvSpPr>
-            <p:cNvPr id="110" name="Rectangle 37">
-              <a:extLst>
-                <a:ext uri="{FF2B5EF4-FFF2-40B4-BE49-F238E27FC236}">
-                  <a16:creationId xmlns:a16="http://schemas.microsoft.com/office/drawing/2014/main" id="{9A5DFBBD-9A7C-49CD-965A-BCEF9D5D9341}"/>
-                </a:ext>
-              </a:extLst>
-            </p:cNvPr>
-            <p:cNvSpPr/>
-            <p:nvPr/>
-          </p:nvSpPr>
-          <p:spPr>
-            <a:xfrm>
-              <a:off x="6375368" y="4555043"/>
-              <a:ext cx="101967" cy="83430"/>
-            </a:xfrm>
-            <a:prstGeom prst="rect">
-              <a:avLst/>
-            </a:prstGeom>
-          </p:spPr>
-          <p:style>
-            <a:lnRef idx="2">
-              <a:schemeClr val="accent6">
-                <a:shade val="50000"/>
-              </a:schemeClr>
-            </a:lnRef>
-            <a:fillRef idx="1">
-              <a:schemeClr val="accent6"/>
-            </a:fillRef>
-            <a:effectRef idx="0">
-              <a:schemeClr val="accent6"/>
-            </a:effectRef>
-            <a:fontRef idx="minor">
-              <a:schemeClr val="lt1"/>
-            </a:fontRef>
-          </p:style>
-          <p:txBody>
-            <a:bodyPr rtlCol="0" anchor="ctr"/>
-            <a:lstStyle/>
-            <a:p>
-              <a:pPr algn="ctr"/>
-              <a:endParaRPr lang="de-DE"/>
-            </a:p>
-          </p:txBody>
-        </p:sp>
-        <p:sp>
-          <p:nvSpPr>
-            <p:cNvPr id="111" name="Rectangle 38">
-              <a:extLst>
-                <a:ext uri="{FF2B5EF4-FFF2-40B4-BE49-F238E27FC236}">
-                  <a16:creationId xmlns:a16="http://schemas.microsoft.com/office/drawing/2014/main" id="{0171B4AB-1E45-4303-852E-D6E8E8AFA776}"/>
-                </a:ext>
-              </a:extLst>
-            </p:cNvPr>
-            <p:cNvSpPr/>
-            <p:nvPr/>
-          </p:nvSpPr>
-          <p:spPr>
-            <a:xfrm>
-              <a:off x="6375367" y="4768651"/>
-              <a:ext cx="101967" cy="83430"/>
-            </a:xfrm>
-            <a:prstGeom prst="rect">
-              <a:avLst/>
-            </a:prstGeom>
-          </p:spPr>
-          <p:style>
-            <a:lnRef idx="2">
-              <a:schemeClr val="accent6">
-                <a:shade val="50000"/>
-              </a:schemeClr>
-            </a:lnRef>
-            <a:fillRef idx="1">
-              <a:schemeClr val="accent6"/>
-            </a:fillRef>
-            <a:effectRef idx="0">
-              <a:schemeClr val="accent6"/>
-            </a:effectRef>
-            <a:fontRef idx="minor">
-              <a:schemeClr val="lt1"/>
-            </a:fontRef>
-          </p:style>
-          <p:txBody>
-            <a:bodyPr rtlCol="0" anchor="ctr"/>
-            <a:lstStyle/>
-            <a:p>
-              <a:pPr algn="ctr"/>
-              <a:endParaRPr lang="de-DE"/>
-            </a:p>
-          </p:txBody>
-        </p:sp>
-        <p:sp>
-          <p:nvSpPr>
-            <p:cNvPr id="112" name="Rectangle 39">
-              <a:extLst>
-                <a:ext uri="{FF2B5EF4-FFF2-40B4-BE49-F238E27FC236}">
-                  <a16:creationId xmlns:a16="http://schemas.microsoft.com/office/drawing/2014/main" id="{08D59CFB-0E75-4442-BA4E-F255C81929C9}"/>
-                </a:ext>
-              </a:extLst>
-            </p:cNvPr>
-            <p:cNvSpPr/>
-            <p:nvPr/>
-          </p:nvSpPr>
-          <p:spPr>
-            <a:xfrm>
-              <a:off x="6375366" y="4991331"/>
-              <a:ext cx="101967" cy="83430"/>
-            </a:xfrm>
-            <a:prstGeom prst="rect">
-              <a:avLst/>
-            </a:prstGeom>
-          </p:spPr>
-          <p:style>
-            <a:lnRef idx="2">
-              <a:schemeClr val="accent6">
-                <a:shade val="50000"/>
-              </a:schemeClr>
-            </a:lnRef>
-            <a:fillRef idx="1">
-              <a:schemeClr val="accent6"/>
-            </a:fillRef>
-            <a:effectRef idx="0">
-              <a:schemeClr val="accent6"/>
-            </a:effectRef>
-            <a:fontRef idx="minor">
-              <a:schemeClr val="lt1"/>
-            </a:fontRef>
-          </p:style>
-          <p:txBody>
-            <a:bodyPr rtlCol="0" anchor="ctr"/>
-            <a:lstStyle/>
-            <a:p>
-              <a:pPr algn="ctr"/>
-              <a:endParaRPr lang="de-DE"/>
-            </a:p>
-          </p:txBody>
-        </p:sp>
-        <p:sp>
-          <p:nvSpPr>
-            <p:cNvPr id="113" name="Rectangle 60">
-              <a:extLst>
-                <a:ext uri="{FF2B5EF4-FFF2-40B4-BE49-F238E27FC236}">
-                  <a16:creationId xmlns:a16="http://schemas.microsoft.com/office/drawing/2014/main" id="{66A8EDDB-67F2-4B34-BF39-CA129A78C9EC}"/>
-                </a:ext>
-              </a:extLst>
-            </p:cNvPr>
-            <p:cNvSpPr/>
-            <p:nvPr/>
-          </p:nvSpPr>
-          <p:spPr>
-            <a:xfrm>
-              <a:off x="4944342" y="4318410"/>
-              <a:ext cx="1587951" cy="133090"/>
-            </a:xfrm>
-            <a:prstGeom prst="rect">
-              <a:avLst/>
-            </a:prstGeom>
-            <a:noFill/>
-            <a:ln>
-              <a:noFill/>
+            <a:ln w="12700">
+              <a:solidFill>
+                <a:schemeClr val="accent6">
+                  <a:lumMod val="50000"/>
+                </a:schemeClr>
+              </a:solidFill>
             </a:ln>
           </p:spPr>
           <p:style>
-            <a:lnRef idx="2">
-              <a:schemeClr val="accent1">
-                <a:shade val="50000"/>
-              </a:schemeClr>
+            <a:lnRef idx="1">
+              <a:schemeClr val="accent1"/>
             </a:lnRef>
-            <a:fillRef idx="1">
+            <a:fillRef idx="0">
               <a:schemeClr val="accent1"/>
             </a:fillRef>
             <a:effectRef idx="0">
               <a:schemeClr val="accent1"/>
             </a:effectRef>
             <a:fontRef idx="minor">
-              <a:schemeClr val="lt1"/>
+              <a:schemeClr val="tx1"/>
             </a:fontRef>
           </p:style>
-          <p:txBody>
-            <a:bodyPr rtlCol="0" anchor="ctr"/>
-            <a:lstStyle/>
-            <a:p>
-              <a:pPr algn="ctr"/>
-              <a:endParaRPr lang="de-DE"/>
-            </a:p>
-          </p:txBody>
-        </p:sp>
-        <p:sp>
-          <p:nvSpPr>
-            <p:cNvPr id="114" name="Rectangle 62">
-              <a:extLst>
-                <a:ext uri="{FF2B5EF4-FFF2-40B4-BE49-F238E27FC236}">
-                  <a16:creationId xmlns:a16="http://schemas.microsoft.com/office/drawing/2014/main" id="{691B6D25-5C9B-4B80-9776-056AF659FF4A}"/>
-                </a:ext>
-              </a:extLst>
-            </p:cNvPr>
-            <p:cNvSpPr/>
-            <p:nvPr/>
-          </p:nvSpPr>
-          <p:spPr>
-            <a:xfrm>
-              <a:off x="4940368" y="4954655"/>
-              <a:ext cx="1587951" cy="133090"/>
-            </a:xfrm>
-            <a:prstGeom prst="rect">
-              <a:avLst/>
-            </a:prstGeom>
-            <a:noFill/>
-            <a:ln>
-              <a:noFill/>
-            </a:ln>
-          </p:spPr>
-          <p:style>
-            <a:lnRef idx="2">
-              <a:schemeClr val="accent1">
-                <a:shade val="50000"/>
-              </a:schemeClr>
-            </a:lnRef>
-            <a:fillRef idx="1">
-              <a:schemeClr val="accent1"/>
-            </a:fillRef>
-            <a:effectRef idx="0">
-              <a:schemeClr val="accent1"/>
-            </a:effectRef>
-            <a:fontRef idx="minor">
-              <a:schemeClr val="lt1"/>
-            </a:fontRef>
-          </p:style>
-          <p:txBody>
-            <a:bodyPr rtlCol="0" anchor="ctr"/>
-            <a:lstStyle/>
-            <a:p>
-              <a:pPr algn="ctr"/>
-              <a:endParaRPr lang="de-DE"/>
-            </a:p>
-          </p:txBody>
-        </p:sp>
-        <p:sp>
-          <p:nvSpPr>
-            <p:cNvPr id="28" name="Speech Bubble: Rectangle 77">
-              <a:extLst>
-                <a:ext uri="{FF2B5EF4-FFF2-40B4-BE49-F238E27FC236}">
-                  <a16:creationId xmlns:a16="http://schemas.microsoft.com/office/drawing/2014/main" id="{00F0420D-CCF4-8E0E-0DB9-4E1D74C1A88F}"/>
-                </a:ext>
-              </a:extLst>
-            </p:cNvPr>
-            <p:cNvSpPr/>
-            <p:nvPr/>
-          </p:nvSpPr>
-          <p:spPr>
-            <a:xfrm>
-              <a:off x="5420603" y="2777274"/>
-              <a:ext cx="2644986" cy="624835"/>
-            </a:xfrm>
-            <a:prstGeom prst="wedgeRectCallout">
-              <a:avLst>
-                <a:gd name="adj1" fmla="val -34560"/>
-                <a:gd name="adj2" fmla="val 131645"/>
-              </a:avLst>
-            </a:prstGeom>
-          </p:spPr>
-          <p:style>
-            <a:lnRef idx="2">
-              <a:schemeClr val="dk1"/>
-            </a:lnRef>
-            <a:fillRef idx="1">
-              <a:schemeClr val="lt1"/>
-            </a:fillRef>
-            <a:effectRef idx="0">
-              <a:schemeClr val="dk1"/>
-            </a:effectRef>
-            <a:fontRef idx="minor">
-              <a:schemeClr val="dk1"/>
-            </a:fontRef>
-          </p:style>
-          <p:txBody>
-            <a:bodyPr rtlCol="0" anchor="ctr"/>
-            <a:lstStyle/>
-            <a:p>
-              <a:pPr algn="ctr"/>
-              <a:r>
-                <a:rPr lang="de-DE" dirty="0"/>
-                <a:t>Nur offene Bestellungen werden angezeigt </a:t>
-              </a:r>
-            </a:p>
-          </p:txBody>
-        </p:sp>
-        <p:sp>
-          <p:nvSpPr>
-            <p:cNvPr id="42" name="Rectangle: Rounded Corners 4">
-              <a:extLst>
-                <a:ext uri="{FF2B5EF4-FFF2-40B4-BE49-F238E27FC236}">
-                  <a16:creationId xmlns:a16="http://schemas.microsoft.com/office/drawing/2014/main" id="{EF955A99-8AD1-E31E-5347-7461EDF9DA76}"/>
-                </a:ext>
-              </a:extLst>
-            </p:cNvPr>
-            <p:cNvSpPr/>
-            <p:nvPr/>
-          </p:nvSpPr>
-          <p:spPr>
-            <a:xfrm>
-              <a:off x="5004071" y="5655305"/>
-              <a:ext cx="833064" cy="272574"/>
-            </a:xfrm>
-            <a:prstGeom prst="roundRect">
-              <a:avLst/>
-            </a:prstGeom>
-          </p:spPr>
-          <p:style>
-            <a:lnRef idx="2">
-              <a:schemeClr val="accent2">
-                <a:shade val="50000"/>
-              </a:schemeClr>
-            </a:lnRef>
-            <a:fillRef idx="1">
-              <a:schemeClr val="accent2"/>
-            </a:fillRef>
-            <a:effectRef idx="0">
-              <a:schemeClr val="accent2"/>
-            </a:effectRef>
-            <a:fontRef idx="minor">
-              <a:schemeClr val="lt1"/>
-            </a:fontRef>
-          </p:style>
-          <p:txBody>
-            <a:bodyPr rtlCol="0" anchor="ctr"/>
-            <a:lstStyle/>
-            <a:p>
-              <a:pPr algn="ctr"/>
-              <a:r>
-                <a:rPr lang="de-DE" sz="1600" dirty="0"/>
-                <a:t>Zurück</a:t>
-              </a:r>
-            </a:p>
-          </p:txBody>
-        </p:sp>
+        </p:cxnSp>
       </p:grpSp>
       <p:cxnSp>
         <p:nvCxnSpPr>
@@ -5532,102 +5363,6 @@
           <a:xfrm flipV="1">
             <a:off x="7653385" y="4847704"/>
             <a:ext cx="1103495" cy="315252"/>
-          </a:xfrm>
-          <a:prstGeom prst="curvedConnector3">
-            <a:avLst>
-              <a:gd name="adj1" fmla="val 50000"/>
-            </a:avLst>
-          </a:prstGeom>
-          <a:ln w="28575">
-            <a:solidFill>
-              <a:srgbClr val="FF0000"/>
-            </a:solidFill>
-            <a:tailEnd type="triangle"/>
-          </a:ln>
-        </p:spPr>
-        <p:style>
-          <a:lnRef idx="1">
-            <a:schemeClr val="accent1"/>
-          </a:lnRef>
-          <a:fillRef idx="0">
-            <a:schemeClr val="accent1"/>
-          </a:fillRef>
-          <a:effectRef idx="0">
-            <a:schemeClr val="accent1"/>
-          </a:effectRef>
-          <a:fontRef idx="minor">
-            <a:schemeClr val="tx1"/>
-          </a:fontRef>
-        </p:style>
-      </p:cxnSp>
-      <p:cxnSp>
-        <p:nvCxnSpPr>
-          <p:cNvPr id="100" name="Connector: Curved 16">
-            <a:extLst>
-              <a:ext uri="{FF2B5EF4-FFF2-40B4-BE49-F238E27FC236}">
-                <a16:creationId xmlns:a16="http://schemas.microsoft.com/office/drawing/2014/main" id="{1013A069-A374-4B57-917D-9C141219DFA7}"/>
-              </a:ext>
-            </a:extLst>
-          </p:cNvPr>
-          <p:cNvCxnSpPr>
-            <a:cxnSpLocks/>
-            <a:stCxn id="35" idx="3"/>
-            <a:endCxn id="46" idx="1"/>
-          </p:cNvCxnSpPr>
-          <p:nvPr/>
-        </p:nvCxnSpPr>
-        <p:spPr>
-          <a:xfrm flipV="1">
-            <a:off x="6024562" y="1521842"/>
-            <a:ext cx="4251147" cy="260320"/>
-          </a:xfrm>
-          <a:prstGeom prst="curvedConnector3">
-            <a:avLst>
-              <a:gd name="adj1" fmla="val 50000"/>
-            </a:avLst>
-          </a:prstGeom>
-          <a:ln w="28575">
-            <a:solidFill>
-              <a:srgbClr val="FF0000"/>
-            </a:solidFill>
-            <a:tailEnd type="triangle"/>
-          </a:ln>
-        </p:spPr>
-        <p:style>
-          <a:lnRef idx="1">
-            <a:schemeClr val="accent1"/>
-          </a:lnRef>
-          <a:fillRef idx="0">
-            <a:schemeClr val="accent1"/>
-          </a:fillRef>
-          <a:effectRef idx="0">
-            <a:schemeClr val="accent1"/>
-          </a:effectRef>
-          <a:fontRef idx="minor">
-            <a:schemeClr val="tx1"/>
-          </a:fontRef>
-        </p:style>
-      </p:cxnSp>
-      <p:cxnSp>
-        <p:nvCxnSpPr>
-          <p:cNvPr id="57" name="Connector: Curved 16">
-            <a:extLst>
-              <a:ext uri="{FF2B5EF4-FFF2-40B4-BE49-F238E27FC236}">
-                <a16:creationId xmlns:a16="http://schemas.microsoft.com/office/drawing/2014/main" id="{AD18DCCD-BDBD-43C3-A752-62F72FE56390}"/>
-              </a:ext>
-            </a:extLst>
-          </p:cNvPr>
-          <p:cNvCxnSpPr>
-            <a:cxnSpLocks/>
-            <a:stCxn id="97" idx="3"/>
-            <a:endCxn id="46" idx="1"/>
-          </p:cNvCxnSpPr>
-          <p:nvPr/>
-        </p:nvCxnSpPr>
-        <p:spPr>
-          <a:xfrm>
-            <a:off x="6024562" y="1310475"/>
-            <a:ext cx="4251147" cy="211367"/>
           </a:xfrm>
           <a:prstGeom prst="curvedConnector3">
             <a:avLst>
@@ -6385,54 +6120,6 @@
       </p:sp>
       <p:cxnSp>
         <p:nvCxnSpPr>
-          <p:cNvPr id="75" name="Connector: Curved 16">
-            <a:extLst>
-              <a:ext uri="{FF2B5EF4-FFF2-40B4-BE49-F238E27FC236}">
-                <a16:creationId xmlns:a16="http://schemas.microsoft.com/office/drawing/2014/main" id="{4EEEE4CC-F27F-4E8E-91F4-70B9BD7D256F}"/>
-              </a:ext>
-            </a:extLst>
-          </p:cNvPr>
-          <p:cNvCxnSpPr>
-            <a:cxnSpLocks/>
-            <a:stCxn id="68" idx="3"/>
-            <a:endCxn id="114" idx="1"/>
-          </p:cNvCxnSpPr>
-          <p:nvPr/>
-        </p:nvCxnSpPr>
-        <p:spPr>
-          <a:xfrm>
-            <a:off x="3308506" y="5669015"/>
-            <a:ext cx="3185093" cy="90276"/>
-          </a:xfrm>
-          <a:prstGeom prst="curvedConnector3">
-            <a:avLst>
-              <a:gd name="adj1" fmla="val 50000"/>
-            </a:avLst>
-          </a:prstGeom>
-          <a:ln w="28575">
-            <a:solidFill>
-              <a:srgbClr val="FF0000"/>
-            </a:solidFill>
-            <a:tailEnd type="triangle"/>
-          </a:ln>
-        </p:spPr>
-        <p:style>
-          <a:lnRef idx="1">
-            <a:schemeClr val="accent1"/>
-          </a:lnRef>
-          <a:fillRef idx="0">
-            <a:schemeClr val="accent1"/>
-          </a:fillRef>
-          <a:effectRef idx="0">
-            <a:schemeClr val="accent1"/>
-          </a:effectRef>
-          <a:fontRef idx="minor">
-            <a:schemeClr val="tx1"/>
-          </a:fontRef>
-        </p:style>
-      </p:cxnSp>
-      <p:cxnSp>
-        <p:nvCxnSpPr>
           <p:cNvPr id="71" name="Connector: Curved 16">
             <a:extLst>
               <a:ext uri="{FF2B5EF4-FFF2-40B4-BE49-F238E27FC236}">
@@ -6722,6 +6409,446 @@
           </a:p>
         </p:txBody>
       </p:sp>
+      <p:sp>
+        <p:nvSpPr>
+          <p:cNvPr id="88" name="Rectangle 1">
+            <a:extLst>
+              <a:ext uri="{FF2B5EF4-FFF2-40B4-BE49-F238E27FC236}">
+                <a16:creationId xmlns:a16="http://schemas.microsoft.com/office/drawing/2014/main" id="{6E4C3386-DC23-5238-9634-0507A2DB0106}"/>
+              </a:ext>
+            </a:extLst>
+          </p:cNvPr>
+          <p:cNvSpPr/>
+          <p:nvPr/>
+        </p:nvSpPr>
+        <p:spPr>
+          <a:xfrm>
+            <a:off x="4456309" y="772314"/>
+            <a:ext cx="1639691" cy="2181363"/>
+          </a:xfrm>
+          <a:prstGeom prst="rect">
+            <a:avLst/>
+          </a:prstGeom>
+        </p:spPr>
+        <p:style>
+          <a:lnRef idx="2">
+            <a:schemeClr val="accent1">
+              <a:shade val="50000"/>
+            </a:schemeClr>
+          </a:lnRef>
+          <a:fillRef idx="1">
+            <a:schemeClr val="accent1"/>
+          </a:fillRef>
+          <a:effectRef idx="0">
+            <a:schemeClr val="accent1"/>
+          </a:effectRef>
+          <a:fontRef idx="minor">
+            <a:schemeClr val="lt1"/>
+          </a:fontRef>
+        </p:style>
+        <p:txBody>
+          <a:bodyPr rtlCol="0" anchor="t"/>
+          <a:lstStyle/>
+          <a:p>
+            <a:pPr algn="ctr"/>
+            <a:r>
+              <a:rPr lang="de-DE" dirty="0"/>
+              <a:t>Speisekarte</a:t>
+            </a:r>
+          </a:p>
+        </p:txBody>
+      </p:sp>
+      <p:sp>
+        <p:nvSpPr>
+          <p:cNvPr id="34" name="Rectangle 1">
+            <a:extLst>
+              <a:ext uri="{FF2B5EF4-FFF2-40B4-BE49-F238E27FC236}">
+                <a16:creationId xmlns:a16="http://schemas.microsoft.com/office/drawing/2014/main" id="{692E9183-E735-49F0-8E7B-83D614826231}"/>
+              </a:ext>
+            </a:extLst>
+          </p:cNvPr>
+          <p:cNvSpPr/>
+          <p:nvPr/>
+        </p:nvSpPr>
+        <p:spPr>
+          <a:xfrm>
+            <a:off x="4456309" y="1129960"/>
+            <a:ext cx="1639691" cy="1823717"/>
+          </a:xfrm>
+          <a:prstGeom prst="rect">
+            <a:avLst/>
+          </a:prstGeom>
+          <a:solidFill>
+            <a:schemeClr val="bg1">
+              <a:lumMod val="65000"/>
+            </a:schemeClr>
+          </a:solidFill>
+        </p:spPr>
+        <p:style>
+          <a:lnRef idx="2">
+            <a:schemeClr val="accent1">
+              <a:shade val="50000"/>
+            </a:schemeClr>
+          </a:lnRef>
+          <a:fillRef idx="1">
+            <a:schemeClr val="accent1"/>
+          </a:fillRef>
+          <a:effectRef idx="0">
+            <a:schemeClr val="accent1"/>
+          </a:effectRef>
+          <a:fontRef idx="minor">
+            <a:schemeClr val="lt1"/>
+          </a:fontRef>
+        </p:style>
+        <p:txBody>
+          <a:bodyPr rtlCol="0" anchor="t"/>
+          <a:lstStyle/>
+          <a:p>
+            <a:pPr algn="ctr"/>
+            <a:endParaRPr lang="de-DE" sz="1400" dirty="0"/>
+          </a:p>
+        </p:txBody>
+      </p:sp>
+      <p:sp>
+        <p:nvSpPr>
+          <p:cNvPr id="35" name="Rectangle: Rounded Corners 4">
+            <a:extLst>
+              <a:ext uri="{FF2B5EF4-FFF2-40B4-BE49-F238E27FC236}">
+                <a16:creationId xmlns:a16="http://schemas.microsoft.com/office/drawing/2014/main" id="{00FC4E7F-6F71-4D2E-A938-01D9FC0DE4F6}"/>
+              </a:ext>
+            </a:extLst>
+          </p:cNvPr>
+          <p:cNvSpPr/>
+          <p:nvPr/>
+        </p:nvSpPr>
+        <p:spPr>
+          <a:xfrm>
+            <a:off x="4527745" y="1659269"/>
+            <a:ext cx="1496817" cy="245786"/>
+          </a:xfrm>
+          <a:prstGeom prst="roundRect">
+            <a:avLst/>
+          </a:prstGeom>
+        </p:spPr>
+        <p:style>
+          <a:lnRef idx="2">
+            <a:schemeClr val="accent2">
+              <a:shade val="50000"/>
+            </a:schemeClr>
+          </a:lnRef>
+          <a:fillRef idx="1">
+            <a:schemeClr val="accent2"/>
+          </a:fillRef>
+          <a:effectRef idx="0">
+            <a:schemeClr val="accent2"/>
+          </a:effectRef>
+          <a:fontRef idx="minor">
+            <a:schemeClr val="lt1"/>
+          </a:fontRef>
+        </p:style>
+        <p:txBody>
+          <a:bodyPr rtlCol="0" anchor="ctr"/>
+          <a:lstStyle/>
+          <a:p>
+            <a:pPr algn="ctr"/>
+            <a:r>
+              <a:rPr lang="de-DE" sz="1600" dirty="0"/>
+              <a:t>Neues Gericht</a:t>
+            </a:r>
+          </a:p>
+        </p:txBody>
+      </p:sp>
+      <p:sp>
+        <p:nvSpPr>
+          <p:cNvPr id="96" name="Rectangle: Rounded Corners 4">
+            <a:extLst>
+              <a:ext uri="{FF2B5EF4-FFF2-40B4-BE49-F238E27FC236}">
+                <a16:creationId xmlns:a16="http://schemas.microsoft.com/office/drawing/2014/main" id="{CF44C038-F38F-4BF6-944C-E5419C2B10E1}"/>
+              </a:ext>
+            </a:extLst>
+          </p:cNvPr>
+          <p:cNvSpPr/>
+          <p:nvPr/>
+        </p:nvSpPr>
+        <p:spPr>
+          <a:xfrm>
+            <a:off x="4527745" y="1959108"/>
+            <a:ext cx="1496817" cy="245786"/>
+          </a:xfrm>
+          <a:prstGeom prst="roundRect">
+            <a:avLst/>
+          </a:prstGeom>
+        </p:spPr>
+        <p:style>
+          <a:lnRef idx="2">
+            <a:schemeClr val="accent2">
+              <a:shade val="50000"/>
+            </a:schemeClr>
+          </a:lnRef>
+          <a:fillRef idx="1">
+            <a:schemeClr val="accent2"/>
+          </a:fillRef>
+          <a:effectRef idx="0">
+            <a:schemeClr val="accent2"/>
+          </a:effectRef>
+          <a:fontRef idx="minor">
+            <a:schemeClr val="lt1"/>
+          </a:fontRef>
+        </p:style>
+        <p:txBody>
+          <a:bodyPr rtlCol="0" anchor="ctr"/>
+          <a:lstStyle/>
+          <a:p>
+            <a:pPr algn="ctr"/>
+            <a:r>
+              <a:rPr lang="de-DE" sz="1400" dirty="0"/>
+              <a:t>Seite einscannen</a:t>
+            </a:r>
+          </a:p>
+        </p:txBody>
+      </p:sp>
+      <p:sp>
+        <p:nvSpPr>
+          <p:cNvPr id="97" name="Rectangle 2">
+            <a:extLst>
+              <a:ext uri="{FF2B5EF4-FFF2-40B4-BE49-F238E27FC236}">
+                <a16:creationId xmlns:a16="http://schemas.microsoft.com/office/drawing/2014/main" id="{76710B5B-0150-447A-BF84-93FA9A6CEC3E}"/>
+              </a:ext>
+            </a:extLst>
+          </p:cNvPr>
+          <p:cNvSpPr/>
+          <p:nvPr/>
+        </p:nvSpPr>
+        <p:spPr>
+          <a:xfrm>
+            <a:off x="4527744" y="1187582"/>
+            <a:ext cx="1496818" cy="245786"/>
+          </a:xfrm>
+          <a:prstGeom prst="rect">
+            <a:avLst/>
+          </a:prstGeom>
+        </p:spPr>
+        <p:style>
+          <a:lnRef idx="2">
+            <a:schemeClr val="accent6">
+              <a:shade val="50000"/>
+            </a:schemeClr>
+          </a:lnRef>
+          <a:fillRef idx="1">
+            <a:schemeClr val="accent6"/>
+          </a:fillRef>
+          <a:effectRef idx="0">
+            <a:schemeClr val="accent6"/>
+          </a:effectRef>
+          <a:fontRef idx="minor">
+            <a:schemeClr val="lt1"/>
+          </a:fontRef>
+        </p:style>
+        <p:txBody>
+          <a:bodyPr rtlCol="0" anchor="ctr"/>
+          <a:lstStyle/>
+          <a:p>
+            <a:pPr algn="ctr"/>
+            <a:r>
+              <a:rPr lang="de-DE" dirty="0"/>
+              <a:t>Gericht 1</a:t>
+            </a:r>
+          </a:p>
+        </p:txBody>
+      </p:sp>
+      <p:sp>
+        <p:nvSpPr>
+          <p:cNvPr id="40" name="Rectangle: Rounded Corners 4">
+            <a:extLst>
+              <a:ext uri="{FF2B5EF4-FFF2-40B4-BE49-F238E27FC236}">
+                <a16:creationId xmlns:a16="http://schemas.microsoft.com/office/drawing/2014/main" id="{32000A6C-F13D-88FB-5B03-0CFA436DEE04}"/>
+              </a:ext>
+            </a:extLst>
+          </p:cNvPr>
+          <p:cNvSpPr/>
+          <p:nvPr/>
+        </p:nvSpPr>
+        <p:spPr>
+          <a:xfrm>
+            <a:off x="4531782" y="2589053"/>
+            <a:ext cx="833064" cy="272574"/>
+          </a:xfrm>
+          <a:prstGeom prst="roundRect">
+            <a:avLst/>
+          </a:prstGeom>
+        </p:spPr>
+        <p:style>
+          <a:lnRef idx="2">
+            <a:schemeClr val="accent2">
+              <a:shade val="50000"/>
+            </a:schemeClr>
+          </a:lnRef>
+          <a:fillRef idx="1">
+            <a:schemeClr val="accent2"/>
+          </a:fillRef>
+          <a:effectRef idx="0">
+            <a:schemeClr val="accent2"/>
+          </a:effectRef>
+          <a:fontRef idx="minor">
+            <a:schemeClr val="lt1"/>
+          </a:fontRef>
+        </p:style>
+        <p:txBody>
+          <a:bodyPr rtlCol="0" anchor="ctr"/>
+          <a:lstStyle/>
+          <a:p>
+            <a:pPr algn="ctr"/>
+            <a:r>
+              <a:rPr lang="de-DE" sz="1600" dirty="0"/>
+              <a:t>Zurück</a:t>
+            </a:r>
+          </a:p>
+        </p:txBody>
+      </p:sp>
+      <p:cxnSp>
+        <p:nvCxnSpPr>
+          <p:cNvPr id="57" name="Connector: Curved 16">
+            <a:extLst>
+              <a:ext uri="{FF2B5EF4-FFF2-40B4-BE49-F238E27FC236}">
+                <a16:creationId xmlns:a16="http://schemas.microsoft.com/office/drawing/2014/main" id="{AD18DCCD-BDBD-43C3-A752-62F72FE56390}"/>
+              </a:ext>
+            </a:extLst>
+          </p:cNvPr>
+          <p:cNvCxnSpPr>
+            <a:cxnSpLocks/>
+            <a:stCxn id="97" idx="3"/>
+            <a:endCxn id="46" idx="1"/>
+          </p:cNvCxnSpPr>
+          <p:nvPr/>
+        </p:nvCxnSpPr>
+        <p:spPr>
+          <a:xfrm>
+            <a:off x="6024562" y="1310475"/>
+            <a:ext cx="4251147" cy="211367"/>
+          </a:xfrm>
+          <a:prstGeom prst="curvedConnector3">
+            <a:avLst>
+              <a:gd name="adj1" fmla="val 50000"/>
+            </a:avLst>
+          </a:prstGeom>
+          <a:ln w="28575">
+            <a:solidFill>
+              <a:srgbClr val="FF0000"/>
+            </a:solidFill>
+            <a:tailEnd type="triangle"/>
+          </a:ln>
+        </p:spPr>
+        <p:style>
+          <a:lnRef idx="1">
+            <a:schemeClr val="accent1"/>
+          </a:lnRef>
+          <a:fillRef idx="0">
+            <a:schemeClr val="accent1"/>
+          </a:fillRef>
+          <a:effectRef idx="0">
+            <a:schemeClr val="accent1"/>
+          </a:effectRef>
+          <a:fontRef idx="minor">
+            <a:schemeClr val="tx1"/>
+          </a:fontRef>
+        </p:style>
+      </p:cxnSp>
+      <p:cxnSp>
+        <p:nvCxnSpPr>
+          <p:cNvPr id="100" name="Connector: Curved 16">
+            <a:extLst>
+              <a:ext uri="{FF2B5EF4-FFF2-40B4-BE49-F238E27FC236}">
+                <a16:creationId xmlns:a16="http://schemas.microsoft.com/office/drawing/2014/main" id="{1013A069-A374-4B57-917D-9C141219DFA7}"/>
+              </a:ext>
+            </a:extLst>
+          </p:cNvPr>
+          <p:cNvCxnSpPr>
+            <a:cxnSpLocks/>
+            <a:stCxn id="35" idx="3"/>
+            <a:endCxn id="46" idx="1"/>
+          </p:cNvCxnSpPr>
+          <p:nvPr/>
+        </p:nvCxnSpPr>
+        <p:spPr>
+          <a:xfrm flipV="1">
+            <a:off x="6024562" y="1521842"/>
+            <a:ext cx="4251147" cy="260320"/>
+          </a:xfrm>
+          <a:prstGeom prst="curvedConnector3">
+            <a:avLst>
+              <a:gd name="adj1" fmla="val 50000"/>
+            </a:avLst>
+          </a:prstGeom>
+          <a:ln w="28575">
+            <a:solidFill>
+              <a:srgbClr val="FF0000"/>
+            </a:solidFill>
+            <a:tailEnd type="triangle"/>
+          </a:ln>
+        </p:spPr>
+        <p:style>
+          <a:lnRef idx="1">
+            <a:schemeClr val="accent1"/>
+          </a:lnRef>
+          <a:fillRef idx="0">
+            <a:schemeClr val="accent1"/>
+          </a:fillRef>
+          <a:effectRef idx="0">
+            <a:schemeClr val="accent1"/>
+          </a:effectRef>
+          <a:fontRef idx="minor">
+            <a:schemeClr val="tx1"/>
+          </a:fontRef>
+        </p:style>
+      </p:cxnSp>
+      <p:cxnSp>
+        <p:nvCxnSpPr>
+          <p:cNvPr id="75" name="Connector: Curved 16">
+            <a:extLst>
+              <a:ext uri="{FF2B5EF4-FFF2-40B4-BE49-F238E27FC236}">
+                <a16:creationId xmlns:a16="http://schemas.microsoft.com/office/drawing/2014/main" id="{4EEEE4CC-F27F-4E8E-91F4-70B9BD7D256F}"/>
+              </a:ext>
+            </a:extLst>
+          </p:cNvPr>
+          <p:cNvCxnSpPr>
+            <a:cxnSpLocks/>
+            <a:stCxn id="68" idx="3"/>
+            <a:endCxn id="114" idx="1"/>
+          </p:cNvCxnSpPr>
+          <p:nvPr/>
+        </p:nvCxnSpPr>
+        <p:spPr>
+          <a:xfrm>
+            <a:off x="3308506" y="5669015"/>
+            <a:ext cx="3185093" cy="90276"/>
+          </a:xfrm>
+          <a:prstGeom prst="curvedConnector3">
+            <a:avLst>
+              <a:gd name="adj1" fmla="val 50000"/>
+            </a:avLst>
+          </a:prstGeom>
+          <a:ln w="28575">
+            <a:solidFill>
+              <a:srgbClr val="FF0000"/>
+            </a:solidFill>
+            <a:tailEnd type="triangle"/>
+          </a:ln>
+        </p:spPr>
+        <p:style>
+          <a:lnRef idx="1">
+            <a:schemeClr val="accent1"/>
+          </a:lnRef>
+          <a:fillRef idx="0">
+            <a:schemeClr val="accent1"/>
+          </a:fillRef>
+          <a:effectRef idx="0">
+            <a:schemeClr val="accent1"/>
+          </a:effectRef>
+          <a:fontRef idx="minor">
+            <a:schemeClr val="tx1"/>
+          </a:fontRef>
+        </p:style>
+      </p:cxnSp>
     </p:spTree>
     <p:extLst>
       <p:ext uri="{BB962C8B-B14F-4D97-AF65-F5344CB8AC3E}">
@@ -8306,10 +8433,10 @@
         </p:nvGrpSpPr>
         <p:grpSpPr>
           <a:xfrm>
-            <a:off x="10229433" y="2514987"/>
-            <a:ext cx="1639691" cy="2181363"/>
-            <a:chOff x="10267752" y="354631"/>
-            <a:chExt cx="1639691" cy="2181363"/>
+            <a:off x="10229433" y="1816013"/>
+            <a:ext cx="1639691" cy="2468181"/>
+            <a:chOff x="10267752" y="-200795"/>
+            <a:chExt cx="1639691" cy="2468181"/>
           </a:xfrm>
         </p:grpSpPr>
         <p:sp>
@@ -8326,8 +8453,8 @@
           </p:nvSpPr>
           <p:spPr>
             <a:xfrm>
-              <a:off x="10267752" y="354631"/>
-              <a:ext cx="1639691" cy="2181363"/>
+              <a:off x="10267752" y="-200795"/>
+              <a:ext cx="1639691" cy="2468181"/>
             </a:xfrm>
             <a:prstGeom prst="rect">
               <a:avLst/>
@@ -8375,7 +8502,7 @@
           </p:nvSpPr>
           <p:spPr>
             <a:xfrm>
-              <a:off x="10339189" y="2165526"/>
+              <a:off x="10339189" y="1903102"/>
               <a:ext cx="1131292" cy="272574"/>
             </a:xfrm>
             <a:prstGeom prst="roundRect">
@@ -8424,7 +8551,7 @@
           </p:nvSpPr>
           <p:spPr>
             <a:xfrm>
-              <a:off x="10339188" y="681855"/>
+              <a:off x="10339188" y="368080"/>
               <a:ext cx="1496817" cy="245786"/>
             </a:xfrm>
             <a:prstGeom prst="roundRect">
@@ -8473,7 +8600,7 @@
           </p:nvSpPr>
           <p:spPr>
             <a:xfrm>
-              <a:off x="10339189" y="1046466"/>
+              <a:off x="10339189" y="730596"/>
               <a:ext cx="1496817" cy="245786"/>
             </a:xfrm>
             <a:prstGeom prst="roundRect">
@@ -8522,7 +8649,7 @@
           </p:nvSpPr>
           <p:spPr>
             <a:xfrm>
-              <a:off x="10339188" y="1445312"/>
+              <a:off x="10339188" y="1077743"/>
               <a:ext cx="1496817" cy="245786"/>
             </a:xfrm>
             <a:prstGeom prst="roundRect">
@@ -8557,6 +8684,55 @@
             </a:p>
           </p:txBody>
         </p:sp>
+        <p:sp>
+          <p:nvSpPr>
+            <p:cNvPr id="29" name="Rectangle: Rounded Corners 4">
+              <a:extLst>
+                <a:ext uri="{FF2B5EF4-FFF2-40B4-BE49-F238E27FC236}">
+                  <a16:creationId xmlns:a16="http://schemas.microsoft.com/office/drawing/2014/main" id="{2EBB4CDE-9C89-9164-4952-6EB91C66D73D}"/>
+                </a:ext>
+              </a:extLst>
+            </p:cNvPr>
+            <p:cNvSpPr/>
+            <p:nvPr/>
+          </p:nvSpPr>
+          <p:spPr>
+            <a:xfrm>
+              <a:off x="10339188" y="1445638"/>
+              <a:ext cx="1496817" cy="245786"/>
+            </a:xfrm>
+            <a:prstGeom prst="roundRect">
+              <a:avLst/>
+            </a:prstGeom>
+          </p:spPr>
+          <p:style>
+            <a:lnRef idx="2">
+              <a:schemeClr val="accent2">
+                <a:shade val="50000"/>
+              </a:schemeClr>
+            </a:lnRef>
+            <a:fillRef idx="1">
+              <a:schemeClr val="accent2"/>
+            </a:fillRef>
+            <a:effectRef idx="0">
+              <a:schemeClr val="accent2"/>
+            </a:effectRef>
+            <a:fontRef idx="minor">
+              <a:schemeClr val="lt1"/>
+            </a:fontRef>
+          </p:style>
+          <p:txBody>
+            <a:bodyPr rtlCol="0" anchor="ctr"/>
+            <a:lstStyle/>
+            <a:p>
+              <a:pPr algn="ctr"/>
+              <a:r>
+                <a:rPr lang="de-DE" sz="1400" dirty="0"/>
+                <a:t>Getrennt zahlen</a:t>
+              </a:r>
+            </a:p>
+          </p:txBody>
+        </p:sp>
       </p:grpSp>
       <p:cxnSp>
         <p:nvCxnSpPr>
@@ -8576,8 +8752,8 @@
         </p:nvCxnSpPr>
         <p:spPr>
           <a:xfrm flipV="1">
-            <a:off x="8834400" y="3605669"/>
-            <a:ext cx="1395033" cy="1329693"/>
+            <a:off x="8834400" y="3050104"/>
+            <a:ext cx="1395033" cy="1885258"/>
           </a:xfrm>
           <a:prstGeom prst="curvedConnector3">
             <a:avLst>
@@ -8669,9 +8845,9 @@
         <p:grpSpPr>
           <a:xfrm>
             <a:off x="93662" y="1000410"/>
-            <a:ext cx="4212557" cy="4288957"/>
+            <a:ext cx="7136766" cy="4288957"/>
             <a:chOff x="93662" y="1000410"/>
-            <a:chExt cx="4212557" cy="4288957"/>
+            <a:chExt cx="7136766" cy="4288957"/>
           </a:xfrm>
         </p:grpSpPr>
         <p:sp>
@@ -9068,6 +9244,56 @@
             </a:p>
           </p:txBody>
         </p:sp>
+        <p:sp>
+          <p:nvSpPr>
+            <p:cNvPr id="25" name="Speech Bubble: Rectangle 75">
+              <a:extLst>
+                <a:ext uri="{FF2B5EF4-FFF2-40B4-BE49-F238E27FC236}">
+                  <a16:creationId xmlns:a16="http://schemas.microsoft.com/office/drawing/2014/main" id="{F1D04B06-4DF0-7AFE-41CF-5882A30B6128}"/>
+                </a:ext>
+              </a:extLst>
+            </p:cNvPr>
+            <p:cNvSpPr/>
+            <p:nvPr/>
+          </p:nvSpPr>
+          <p:spPr>
+            <a:xfrm>
+              <a:off x="5590737" y="2973726"/>
+              <a:ext cx="1639691" cy="715093"/>
+            </a:xfrm>
+            <a:prstGeom prst="wedgeRectCallout">
+              <a:avLst>
+                <a:gd name="adj1" fmla="val -32562"/>
+                <a:gd name="adj2" fmla="val 128370"/>
+              </a:avLst>
+            </a:prstGeom>
+          </p:spPr>
+          <p:style>
+            <a:lnRef idx="2">
+              <a:schemeClr val="dk1"/>
+            </a:lnRef>
+            <a:fillRef idx="1">
+              <a:schemeClr val="lt1"/>
+            </a:fillRef>
+            <a:effectRef idx="0">
+              <a:schemeClr val="dk1"/>
+            </a:effectRef>
+            <a:fontRef idx="minor">
+              <a:schemeClr val="dk1"/>
+            </a:fontRef>
+          </p:style>
+          <p:txBody>
+            <a:bodyPr rtlCol="0" anchor="ctr"/>
+            <a:lstStyle/>
+            <a:p>
+              <a:pPr algn="ctr"/>
+              <a:r>
+                <a:rPr lang="de-DE" dirty="0"/>
+                <a:t>Dropdown für Mengenangabe</a:t>
+              </a:r>
+            </a:p>
+          </p:txBody>
+        </p:sp>
       </p:grpSp>
       <p:cxnSp>
         <p:nvCxnSpPr>
@@ -10698,8 +10924,8 @@
         </p:nvSpPr>
         <p:spPr>
           <a:xfrm>
-            <a:off x="637715" y="2338318"/>
-            <a:ext cx="1639691" cy="2276814"/>
+            <a:off x="637715" y="2338317"/>
+            <a:ext cx="1639691" cy="2509727"/>
           </a:xfrm>
           <a:prstGeom prst="rect">
             <a:avLst/>
@@ -10778,7 +11004,7 @@
         <p:spPr>
           <a:xfrm>
             <a:off x="0" y="3107481"/>
-            <a:ext cx="637715" cy="369244"/>
+            <a:ext cx="637715" cy="485700"/>
           </a:xfrm>
           <a:prstGeom prst="curvedConnector3">
             <a:avLst>
@@ -11088,11 +11314,11 @@
         <p:spPr>
           <a:xfrm>
             <a:off x="2447378" y="4707958"/>
-            <a:ext cx="1326550" cy="665989"/>
+            <a:ext cx="1865830" cy="665991"/>
           </a:xfrm>
           <a:prstGeom prst="wedgeRectCallout">
             <a:avLst>
-              <a:gd name="adj1" fmla="val -71546"/>
+              <a:gd name="adj1" fmla="val -65998"/>
               <a:gd name="adj2" fmla="val -112541"/>
             </a:avLst>
           </a:prstGeom>
@@ -11118,7 +11344,56 @@
             <a:pPr algn="ctr"/>
             <a:r>
               <a:rPr lang="de-DE" dirty="0"/>
-              <a:t>Sehen nur Mitarbeiter</a:t>
+              <a:t>Funktioniert nur für Mitarbeiter</a:t>
+            </a:r>
+          </a:p>
+        </p:txBody>
+      </p:sp>
+      <p:sp>
+        <p:nvSpPr>
+          <p:cNvPr id="12" name="Rectangle: Rounded Corners 4">
+            <a:extLst>
+              <a:ext uri="{FF2B5EF4-FFF2-40B4-BE49-F238E27FC236}">
+                <a16:creationId xmlns:a16="http://schemas.microsoft.com/office/drawing/2014/main" id="{BC200B1A-DB27-59DA-1551-E7BB3B6B3272}"/>
+              </a:ext>
+            </a:extLst>
+          </p:cNvPr>
+          <p:cNvSpPr/>
+          <p:nvPr/>
+        </p:nvSpPr>
+        <p:spPr>
+          <a:xfrm>
+            <a:off x="709151" y="4462172"/>
+            <a:ext cx="1496817" cy="245786"/>
+          </a:xfrm>
+          <a:prstGeom prst="roundRect">
+            <a:avLst/>
+          </a:prstGeom>
+        </p:spPr>
+        <p:style>
+          <a:lnRef idx="2">
+            <a:schemeClr val="accent2">
+              <a:shade val="50000"/>
+            </a:schemeClr>
+          </a:lnRef>
+          <a:fillRef idx="1">
+            <a:schemeClr val="accent2"/>
+          </a:fillRef>
+          <a:effectRef idx="0">
+            <a:schemeClr val="accent2"/>
+          </a:effectRef>
+          <a:fontRef idx="minor">
+            <a:schemeClr val="lt1"/>
+          </a:fontRef>
+        </p:style>
+        <p:txBody>
+          <a:bodyPr rtlCol="0" anchor="ctr"/>
+          <a:lstStyle/>
+          <a:p>
+            <a:pPr algn="ctr"/>
+            <a:r>
+              <a:rPr lang="de-DE" sz="1200" dirty="0"/>
+              <a:t>Ausloggen</a:t>
             </a:r>
           </a:p>
         </p:txBody>

--- a/LoFi/LoFi.pptx
+++ b/LoFi/LoFi.pptx
@@ -276,7 +276,7 @@
           <a:p>
             <a:fld id="{90BA0F64-CCA5-4670-B995-2C9FB854C1E0}" type="datetimeFigureOut">
               <a:rPr lang="de-DE" smtClean="0"/>
-              <a:t>24.11.2023</a:t>
+              <a:t>27.11.23</a:t>
             </a:fld>
             <a:endParaRPr lang="de-DE"/>
           </a:p>
@@ -476,7 +476,7 @@
           <a:p>
             <a:fld id="{90BA0F64-CCA5-4670-B995-2C9FB854C1E0}" type="datetimeFigureOut">
               <a:rPr lang="de-DE" smtClean="0"/>
-              <a:t>24.11.2023</a:t>
+              <a:t>27.11.23</a:t>
             </a:fld>
             <a:endParaRPr lang="de-DE"/>
           </a:p>
@@ -686,7 +686,7 @@
           <a:p>
             <a:fld id="{90BA0F64-CCA5-4670-B995-2C9FB854C1E0}" type="datetimeFigureOut">
               <a:rPr lang="de-DE" smtClean="0"/>
-              <a:t>24.11.2023</a:t>
+              <a:t>27.11.23</a:t>
             </a:fld>
             <a:endParaRPr lang="de-DE"/>
           </a:p>
@@ -886,7 +886,7 @@
           <a:p>
             <a:fld id="{90BA0F64-CCA5-4670-B995-2C9FB854C1E0}" type="datetimeFigureOut">
               <a:rPr lang="de-DE" smtClean="0"/>
-              <a:t>24.11.2023</a:t>
+              <a:t>27.11.23</a:t>
             </a:fld>
             <a:endParaRPr lang="de-DE"/>
           </a:p>
@@ -1162,7 +1162,7 @@
           <a:p>
             <a:fld id="{90BA0F64-CCA5-4670-B995-2C9FB854C1E0}" type="datetimeFigureOut">
               <a:rPr lang="de-DE" smtClean="0"/>
-              <a:t>24.11.2023</a:t>
+              <a:t>27.11.23</a:t>
             </a:fld>
             <a:endParaRPr lang="de-DE"/>
           </a:p>
@@ -1430,7 +1430,7 @@
           <a:p>
             <a:fld id="{90BA0F64-CCA5-4670-B995-2C9FB854C1E0}" type="datetimeFigureOut">
               <a:rPr lang="de-DE" smtClean="0"/>
-              <a:t>24.11.2023</a:t>
+              <a:t>27.11.23</a:t>
             </a:fld>
             <a:endParaRPr lang="de-DE"/>
           </a:p>
@@ -1845,7 +1845,7 @@
           <a:p>
             <a:fld id="{90BA0F64-CCA5-4670-B995-2C9FB854C1E0}" type="datetimeFigureOut">
               <a:rPr lang="de-DE" smtClean="0"/>
-              <a:t>24.11.2023</a:t>
+              <a:t>27.11.23</a:t>
             </a:fld>
             <a:endParaRPr lang="de-DE"/>
           </a:p>
@@ -1987,7 +1987,7 @@
           <a:p>
             <a:fld id="{90BA0F64-CCA5-4670-B995-2C9FB854C1E0}" type="datetimeFigureOut">
               <a:rPr lang="de-DE" smtClean="0"/>
-              <a:t>24.11.2023</a:t>
+              <a:t>27.11.23</a:t>
             </a:fld>
             <a:endParaRPr lang="de-DE"/>
           </a:p>
@@ -2100,7 +2100,7 @@
           <a:p>
             <a:fld id="{90BA0F64-CCA5-4670-B995-2C9FB854C1E0}" type="datetimeFigureOut">
               <a:rPr lang="de-DE" smtClean="0"/>
-              <a:t>24.11.2023</a:t>
+              <a:t>27.11.23</a:t>
             </a:fld>
             <a:endParaRPr lang="de-DE"/>
           </a:p>
@@ -2413,7 +2413,7 @@
           <a:p>
             <a:fld id="{90BA0F64-CCA5-4670-B995-2C9FB854C1E0}" type="datetimeFigureOut">
               <a:rPr lang="de-DE" smtClean="0"/>
-              <a:t>24.11.2023</a:t>
+              <a:t>27.11.23</a:t>
             </a:fld>
             <a:endParaRPr lang="de-DE"/>
           </a:p>
@@ -2702,7 +2702,7 @@
           <a:p>
             <a:fld id="{90BA0F64-CCA5-4670-B995-2C9FB854C1E0}" type="datetimeFigureOut">
               <a:rPr lang="de-DE" smtClean="0"/>
-              <a:t>24.11.2023</a:t>
+              <a:t>27.11.23</a:t>
             </a:fld>
             <a:endParaRPr lang="de-DE"/>
           </a:p>
@@ -2945,7 +2945,7 @@
           <a:p>
             <a:fld id="{90BA0F64-CCA5-4670-B995-2C9FB854C1E0}" type="datetimeFigureOut">
               <a:rPr lang="de-DE" smtClean="0"/>
-              <a:t>24.11.2023</a:t>
+              <a:t>27.11.23</a:t>
             </a:fld>
             <a:endParaRPr lang="de-DE"/>
           </a:p>
@@ -5921,6 +5921,55 @@
             </a:p>
           </p:txBody>
         </p:sp>
+        <p:sp>
+          <p:nvSpPr>
+            <p:cNvPr id="77" name="Rectangle: Rounded Corners 4">
+              <a:extLst>
+                <a:ext uri="{FF2B5EF4-FFF2-40B4-BE49-F238E27FC236}">
+                  <a16:creationId xmlns:a16="http://schemas.microsoft.com/office/drawing/2014/main" id="{55AD6146-DE94-34F3-0F15-A8619DEFD50C}"/>
+                </a:ext>
+              </a:extLst>
+            </p:cNvPr>
+            <p:cNvSpPr/>
+            <p:nvPr/>
+          </p:nvSpPr>
+          <p:spPr>
+            <a:xfrm>
+              <a:off x="2243084" y="5966687"/>
+              <a:ext cx="1496817" cy="218722"/>
+            </a:xfrm>
+            <a:prstGeom prst="roundRect">
+              <a:avLst/>
+            </a:prstGeom>
+          </p:spPr>
+          <p:style>
+            <a:lnRef idx="2">
+              <a:schemeClr val="accent2">
+                <a:shade val="50000"/>
+              </a:schemeClr>
+            </a:lnRef>
+            <a:fillRef idx="1">
+              <a:schemeClr val="accent2"/>
+            </a:fillRef>
+            <a:effectRef idx="0">
+              <a:schemeClr val="accent2"/>
+            </a:effectRef>
+            <a:fontRef idx="minor">
+              <a:schemeClr val="lt1"/>
+            </a:fontRef>
+          </p:style>
+          <p:txBody>
+            <a:bodyPr rtlCol="0" anchor="ctr"/>
+            <a:lstStyle/>
+            <a:p>
+              <a:pPr algn="ctr"/>
+              <a:r>
+                <a:rPr lang="de-DE" sz="1200" dirty="0"/>
+                <a:t>Tisch QR generieren</a:t>
+              </a:r>
+            </a:p>
+          </p:txBody>
+        </p:sp>
       </p:grpSp>
       <p:cxnSp>
         <p:nvCxnSpPr>
